--- a/events-sim/event-sim.pptx
+++ b/events-sim/event-sim.pptx
@@ -6,6 +6,13 @@
   </p:sldMasterIdLst>
   <p:sldIdLst>
     <p:sldId id="256" r:id="rId2"/>
+    <p:sldId id="263" r:id="rId3"/>
+    <p:sldId id="257" r:id="rId4"/>
+    <p:sldId id="258" r:id="rId5"/>
+    <p:sldId id="259" r:id="rId6"/>
+    <p:sldId id="260" r:id="rId7"/>
+    <p:sldId id="261" r:id="rId8"/>
+    <p:sldId id="262" r:id="rId9"/>
   </p:sldIdLst>
   <p:sldSz cx="12192000" cy="6858000"/>
   <p:notesSz cx="6858000" cy="9144000"/>
@@ -104,6 +111,22 @@
       </a:defRPr>
     </a:lvl9pPr>
   </p:defaultTextStyle>
+  <p:extLst>
+    <p:ext uri="{EFAFB233-063F-42B5-8137-9DF3F51BA10A}">
+      <p15:sldGuideLst xmlns:p15="http://schemas.microsoft.com/office/powerpoint/2012/main">
+        <p15:guide id="1" orient="horz" pos="576" userDrawn="1">
+          <p15:clr>
+            <a:srgbClr val="A4A3A4"/>
+          </p15:clr>
+        </p15:guide>
+        <p15:guide id="2" pos="2424" userDrawn="1">
+          <p15:clr>
+            <a:srgbClr val="A4A3A4"/>
+          </p15:clr>
+        </p15:guide>
+      </p15:sldGuideLst>
+    </p:ext>
+  </p:extLst>
 </p:presentation>
 </file>
 
@@ -3302,14 +3325,86 @@
       </p:sp>
       <p:sp>
         <p:nvSpPr>
-          <p:cNvPr id="15" name="Rounded Rectangle 14"/>
-          <p:cNvSpPr/>
-          <p:nvPr/>
-        </p:nvSpPr>
-        <p:spPr>
-          <a:xfrm>
-            <a:off x="5638038" y="1666874"/>
-            <a:ext cx="1865376" cy="428625"/>
+          <p:cNvPr id="22" name="TextBox 21"/>
+          <p:cNvSpPr txBox="1"/>
+          <p:nvPr/>
+        </p:nvSpPr>
+        <p:spPr>
+          <a:xfrm>
+            <a:off x="685800" y="200025"/>
+            <a:ext cx="1781257" cy="369332"/>
+          </a:xfrm>
+          <a:prstGeom prst="rect">
+            <a:avLst/>
+          </a:prstGeom>
+          <a:noFill/>
+        </p:spPr>
+        <p:txBody>
+          <a:bodyPr wrap="none" rtlCol="0">
+            <a:spAutoFit/>
+          </a:bodyPr>
+          <a:lstStyle/>
+          <a:p>
+            <a:r>
+              <a:rPr lang="en-US" b="1" smtClean="0"/>
+              <a:t>Who loads who?</a:t>
+            </a:r>
+            <a:endParaRPr lang="en-US" b="1"/>
+          </a:p>
+        </p:txBody>
+      </p:sp>
+      <p:sp>
+        <p:nvSpPr>
+          <p:cNvPr id="27" name="Rounded Rectangle 26"/>
+          <p:cNvSpPr/>
+          <p:nvPr/>
+        </p:nvSpPr>
+        <p:spPr>
+          <a:xfrm>
+            <a:off x="9619679" y="426482"/>
+            <a:ext cx="2296096" cy="428625"/>
+          </a:xfrm>
+          <a:prstGeom prst="roundRect">
+            <a:avLst/>
+          </a:prstGeom>
+        </p:spPr>
+        <p:style>
+          <a:lnRef idx="1">
+            <a:schemeClr val="accent6"/>
+          </a:lnRef>
+          <a:fillRef idx="3">
+            <a:schemeClr val="accent6"/>
+          </a:fillRef>
+          <a:effectRef idx="2">
+            <a:schemeClr val="accent6"/>
+          </a:effectRef>
+          <a:fontRef idx="minor">
+            <a:schemeClr val="lt1"/>
+          </a:fontRef>
+        </p:style>
+        <p:txBody>
+          <a:bodyPr rtlCol="0" anchor="ctr"/>
+          <a:lstStyle/>
+          <a:p>
+            <a:pPr algn="ctr"/>
+            <a:r>
+              <a:rPr lang="en-US" sz="1400" smtClean="0"/>
+              <a:t>Loaded by App</a:t>
+            </a:r>
+            <a:endParaRPr lang="en-US" sz="1400"/>
+          </a:p>
+        </p:txBody>
+      </p:sp>
+      <p:sp>
+        <p:nvSpPr>
+          <p:cNvPr id="28" name="Rounded Rectangle 27"/>
+          <p:cNvSpPr/>
+          <p:nvPr/>
+        </p:nvSpPr>
+        <p:spPr>
+          <a:xfrm>
+            <a:off x="9619679" y="1019074"/>
+            <a:ext cx="2296096" cy="428625"/>
           </a:xfrm>
           <a:prstGeom prst="roundRect">
             <a:avLst/>
@@ -3335,233 +3430,23 @@
           <a:p>
             <a:pPr algn="ctr"/>
             <a:r>
-              <a:rPr lang="en-US" smtClean="0"/>
-              <a:t>CreateEvent</a:t>
-            </a:r>
-            <a:endParaRPr lang="en-US"/>
-          </a:p>
-        </p:txBody>
-      </p:sp>
-      <p:sp>
-        <p:nvSpPr>
-          <p:cNvPr id="16" name="Rounded Rectangle 15"/>
-          <p:cNvSpPr/>
-          <p:nvPr/>
-        </p:nvSpPr>
-        <p:spPr>
-          <a:xfrm>
-            <a:off x="5636514" y="627629"/>
-            <a:ext cx="1866900" cy="428625"/>
-          </a:xfrm>
-          <a:prstGeom prst="roundRect">
-            <a:avLst/>
-          </a:prstGeom>
-        </p:spPr>
-        <p:style>
-          <a:lnRef idx="1">
-            <a:schemeClr val="accent2"/>
-          </a:lnRef>
-          <a:fillRef idx="3">
-            <a:schemeClr val="accent2"/>
-          </a:fillRef>
-          <a:effectRef idx="2">
-            <a:schemeClr val="accent2"/>
-          </a:effectRef>
-          <a:fontRef idx="minor">
-            <a:schemeClr val="lt1"/>
-          </a:fontRef>
-        </p:style>
-        <p:txBody>
-          <a:bodyPr rtlCol="0" anchor="ctr"/>
-          <a:lstStyle/>
-          <a:p>
-            <a:pPr algn="ctr"/>
-            <a:r>
-              <a:rPr lang="en-US" smtClean="0"/>
-              <a:t>Home</a:t>
-            </a:r>
-            <a:endParaRPr lang="en-US"/>
-          </a:p>
-        </p:txBody>
-      </p:sp>
-      <p:sp>
-        <p:nvSpPr>
-          <p:cNvPr id="17" name="Rounded Rectangle 16"/>
-          <p:cNvSpPr/>
-          <p:nvPr/>
-        </p:nvSpPr>
-        <p:spPr>
-          <a:xfrm>
-            <a:off x="5636514" y="1143000"/>
-            <a:ext cx="1866900" cy="428625"/>
-          </a:xfrm>
-          <a:prstGeom prst="roundRect">
-            <a:avLst/>
-          </a:prstGeom>
-        </p:spPr>
-        <p:style>
-          <a:lnRef idx="1">
-            <a:schemeClr val="accent6"/>
-          </a:lnRef>
-          <a:fillRef idx="3">
-            <a:schemeClr val="accent6"/>
-          </a:fillRef>
-          <a:effectRef idx="2">
-            <a:schemeClr val="accent6"/>
-          </a:effectRef>
-          <a:fontRef idx="minor">
-            <a:schemeClr val="lt1"/>
-          </a:fontRef>
-        </p:style>
-        <p:txBody>
-          <a:bodyPr rtlCol="0" anchor="ctr"/>
-          <a:lstStyle/>
-          <a:p>
-            <a:pPr algn="ctr"/>
-            <a:r>
-              <a:rPr lang="en-US" smtClean="0"/>
-              <a:t>Login</a:t>
-            </a:r>
-            <a:endParaRPr lang="en-US"/>
-          </a:p>
-        </p:txBody>
-      </p:sp>
-      <p:sp>
-        <p:nvSpPr>
-          <p:cNvPr id="18" name="Rounded Rectangle 17"/>
-          <p:cNvSpPr/>
-          <p:nvPr/>
-        </p:nvSpPr>
-        <p:spPr>
-          <a:xfrm>
-            <a:off x="5636514" y="2277835"/>
-            <a:ext cx="1866900" cy="428625"/>
-          </a:xfrm>
-          <a:prstGeom prst="roundRect">
-            <a:avLst/>
-          </a:prstGeom>
-        </p:spPr>
-        <p:style>
-          <a:lnRef idx="1">
-            <a:schemeClr val="accent2"/>
-          </a:lnRef>
-          <a:fillRef idx="3">
-            <a:schemeClr val="accent2"/>
-          </a:fillRef>
-          <a:effectRef idx="2">
-            <a:schemeClr val="accent2"/>
-          </a:effectRef>
-          <a:fontRef idx="minor">
-            <a:schemeClr val="lt1"/>
-          </a:fontRef>
-        </p:style>
-        <p:txBody>
-          <a:bodyPr rtlCol="0" anchor="ctr"/>
-          <a:lstStyle/>
-          <a:p>
-            <a:pPr algn="ctr"/>
-            <a:r>
-              <a:rPr lang="en-US" smtClean="0"/>
-              <a:t>MyEvents</a:t>
-            </a:r>
-            <a:endParaRPr lang="en-US"/>
-          </a:p>
-        </p:txBody>
-      </p:sp>
-      <p:sp>
-        <p:nvSpPr>
-          <p:cNvPr id="19" name="Rounded Rectangle 18"/>
-          <p:cNvSpPr/>
-          <p:nvPr/>
-        </p:nvSpPr>
-        <p:spPr>
-          <a:xfrm>
-            <a:off x="7693914" y="2277834"/>
-            <a:ext cx="1866900" cy="428625"/>
-          </a:xfrm>
-          <a:prstGeom prst="roundRect">
-            <a:avLst/>
-          </a:prstGeom>
-        </p:spPr>
-        <p:style>
-          <a:lnRef idx="1">
-            <a:schemeClr val="accent2"/>
-          </a:lnRef>
-          <a:fillRef idx="3">
-            <a:schemeClr val="accent2"/>
-          </a:fillRef>
-          <a:effectRef idx="2">
-            <a:schemeClr val="accent2"/>
-          </a:effectRef>
-          <a:fontRef idx="minor">
-            <a:schemeClr val="lt1"/>
-          </a:fontRef>
-        </p:style>
-        <p:txBody>
-          <a:bodyPr rtlCol="0" anchor="ctr"/>
-          <a:lstStyle/>
-          <a:p>
-            <a:pPr algn="ctr"/>
-            <a:r>
-              <a:rPr lang="en-US" smtClean="0"/>
-              <a:t>EventDetails</a:t>
-            </a:r>
-            <a:endParaRPr lang="en-US"/>
-          </a:p>
-        </p:txBody>
-      </p:sp>
-      <p:sp>
-        <p:nvSpPr>
-          <p:cNvPr id="20" name="Rounded Rectangle 19"/>
-          <p:cNvSpPr/>
-          <p:nvPr/>
-        </p:nvSpPr>
-        <p:spPr>
-          <a:xfrm>
-            <a:off x="9781413" y="2277155"/>
-            <a:ext cx="1865376" cy="428625"/>
-          </a:xfrm>
-          <a:prstGeom prst="roundRect">
-            <a:avLst/>
-          </a:prstGeom>
-        </p:spPr>
-        <p:style>
-          <a:lnRef idx="1">
-            <a:schemeClr val="accent2"/>
-          </a:lnRef>
-          <a:fillRef idx="3">
-            <a:schemeClr val="accent2"/>
-          </a:fillRef>
-          <a:effectRef idx="2">
-            <a:schemeClr val="accent2"/>
-          </a:effectRef>
-          <a:fontRef idx="minor">
-            <a:schemeClr val="lt1"/>
-          </a:fontRef>
-        </p:style>
-        <p:txBody>
-          <a:bodyPr rtlCol="0" anchor="ctr"/>
-          <a:lstStyle/>
-          <a:p>
-            <a:pPr algn="ctr"/>
-            <a:r>
-              <a:rPr lang="en-US" smtClean="0"/>
-              <a:t>CreateEvent</a:t>
-            </a:r>
-            <a:endParaRPr lang="en-US"/>
-          </a:p>
-        </p:txBody>
-      </p:sp>
-      <p:sp>
-        <p:nvSpPr>
-          <p:cNvPr id="21" name="Rounded Rectangle 20"/>
-          <p:cNvSpPr/>
-          <p:nvPr/>
-        </p:nvSpPr>
-        <p:spPr>
-          <a:xfrm>
-            <a:off x="7693914" y="627628"/>
-            <a:ext cx="1866900" cy="428625"/>
+              <a:rPr lang="en-US" sz="1400" smtClean="0"/>
+              <a:t>Loaded by EventsController</a:t>
+            </a:r>
+            <a:endParaRPr lang="en-US" sz="1400"/>
+          </a:p>
+        </p:txBody>
+      </p:sp>
+      <p:sp>
+        <p:nvSpPr>
+          <p:cNvPr id="29" name="Rounded Rectangle 28"/>
+          <p:cNvSpPr/>
+          <p:nvPr/>
+        </p:nvSpPr>
+        <p:spPr>
+          <a:xfrm>
+            <a:off x="9619679" y="1671537"/>
+            <a:ext cx="2296096" cy="428625"/>
           </a:xfrm>
           <a:prstGeom prst="roundRect">
             <a:avLst/>
@@ -3587,10 +3472,10 @@
           <a:p>
             <a:pPr algn="ctr"/>
             <a:r>
-              <a:rPr lang="en-US" smtClean="0"/>
-              <a:t>EventCards</a:t>
-            </a:r>
-            <a:endParaRPr lang="en-US"/>
+              <a:rPr lang="en-US" sz="1400" smtClean="0"/>
+              <a:t>Loaded by Home</a:t>
+            </a:r>
+            <a:endParaRPr lang="en-US" sz="1400"/>
           </a:p>
         </p:txBody>
       </p:sp>
@@ -3598,6 +3483,4081 @@
     <p:extLst>
       <p:ext uri="{BB962C8B-B14F-4D97-AF65-F5344CB8AC3E}">
         <p14:creationId xmlns:p14="http://schemas.microsoft.com/office/powerpoint/2010/main" val="3882209055"/>
+      </p:ext>
+    </p:extLst>
+  </p:cSld>
+  <p:clrMapOvr>
+    <a:masterClrMapping/>
+  </p:clrMapOvr>
+  <p:timing>
+    <p:tnLst>
+      <p:par>
+        <p:cTn id="1" dur="indefinite" restart="never" nodeType="tmRoot"/>
+      </p:par>
+    </p:tnLst>
+  </p:timing>
+</p:sld>
+</file>
+
+<file path=ppt/slides/slide2.xml><?xml version="1.0" encoding="utf-8"?>
+<p:sld xmlns:a="http://schemas.openxmlformats.org/drawingml/2006/main" xmlns:r="http://schemas.openxmlformats.org/officeDocument/2006/relationships" xmlns:p="http://schemas.openxmlformats.org/presentationml/2006/main">
+  <p:cSld>
+    <p:spTree>
+      <p:nvGrpSpPr>
+        <p:cNvPr id="1" name=""/>
+        <p:cNvGrpSpPr/>
+        <p:nvPr/>
+      </p:nvGrpSpPr>
+      <p:grpSpPr>
+        <a:xfrm>
+          <a:off x="0" y="0"/>
+          <a:ext cx="0" cy="0"/>
+          <a:chOff x="0" y="0"/>
+          <a:chExt cx="0" cy="0"/>
+        </a:xfrm>
+      </p:grpSpPr>
+      <p:sp>
+        <p:nvSpPr>
+          <p:cNvPr id="15" name="Rounded Rectangle 14"/>
+          <p:cNvSpPr/>
+          <p:nvPr/>
+        </p:nvSpPr>
+        <p:spPr>
+          <a:xfrm>
+            <a:off x="808863" y="2013902"/>
+            <a:ext cx="1865376" cy="428625"/>
+          </a:xfrm>
+          <a:prstGeom prst="roundRect">
+            <a:avLst/>
+          </a:prstGeom>
+        </p:spPr>
+        <p:style>
+          <a:lnRef idx="1">
+            <a:schemeClr val="accent2"/>
+          </a:lnRef>
+          <a:fillRef idx="3">
+            <a:schemeClr val="accent2"/>
+          </a:fillRef>
+          <a:effectRef idx="2">
+            <a:schemeClr val="accent2"/>
+          </a:effectRef>
+          <a:fontRef idx="minor">
+            <a:schemeClr val="lt1"/>
+          </a:fontRef>
+        </p:style>
+        <p:txBody>
+          <a:bodyPr rtlCol="0" anchor="ctr"/>
+          <a:lstStyle/>
+          <a:p>
+            <a:pPr algn="ctr"/>
+            <a:r>
+              <a:rPr lang="en-US" smtClean="0"/>
+              <a:t>CreateEvent</a:t>
+            </a:r>
+            <a:endParaRPr lang="en-US"/>
+          </a:p>
+        </p:txBody>
+      </p:sp>
+      <p:sp>
+        <p:nvSpPr>
+          <p:cNvPr id="16" name="Rounded Rectangle 15"/>
+          <p:cNvSpPr/>
+          <p:nvPr/>
+        </p:nvSpPr>
+        <p:spPr>
+          <a:xfrm>
+            <a:off x="807339" y="905624"/>
+            <a:ext cx="1866900" cy="428625"/>
+          </a:xfrm>
+          <a:prstGeom prst="roundRect">
+            <a:avLst/>
+          </a:prstGeom>
+        </p:spPr>
+        <p:style>
+          <a:lnRef idx="1">
+            <a:schemeClr val="accent2"/>
+          </a:lnRef>
+          <a:fillRef idx="3">
+            <a:schemeClr val="accent2"/>
+          </a:fillRef>
+          <a:effectRef idx="2">
+            <a:schemeClr val="accent2"/>
+          </a:effectRef>
+          <a:fontRef idx="minor">
+            <a:schemeClr val="lt1"/>
+          </a:fontRef>
+        </p:style>
+        <p:txBody>
+          <a:bodyPr rtlCol="0" anchor="ctr"/>
+          <a:lstStyle/>
+          <a:p>
+            <a:pPr algn="ctr"/>
+            <a:r>
+              <a:rPr lang="en-US" smtClean="0"/>
+              <a:t>Home</a:t>
+            </a:r>
+            <a:endParaRPr lang="en-US"/>
+          </a:p>
+        </p:txBody>
+      </p:sp>
+      <p:sp>
+        <p:nvSpPr>
+          <p:cNvPr id="17" name="Rounded Rectangle 16"/>
+          <p:cNvSpPr/>
+          <p:nvPr/>
+        </p:nvSpPr>
+        <p:spPr>
+          <a:xfrm>
+            <a:off x="807339" y="1459763"/>
+            <a:ext cx="1866900" cy="428625"/>
+          </a:xfrm>
+          <a:prstGeom prst="roundRect">
+            <a:avLst/>
+          </a:prstGeom>
+        </p:spPr>
+        <p:style>
+          <a:lnRef idx="1">
+            <a:schemeClr val="accent6"/>
+          </a:lnRef>
+          <a:fillRef idx="3">
+            <a:schemeClr val="accent6"/>
+          </a:fillRef>
+          <a:effectRef idx="2">
+            <a:schemeClr val="accent6"/>
+          </a:effectRef>
+          <a:fontRef idx="minor">
+            <a:schemeClr val="lt1"/>
+          </a:fontRef>
+        </p:style>
+        <p:txBody>
+          <a:bodyPr rtlCol="0" anchor="ctr"/>
+          <a:lstStyle/>
+          <a:p>
+            <a:pPr algn="ctr"/>
+            <a:r>
+              <a:rPr lang="en-US" smtClean="0"/>
+              <a:t>Login</a:t>
+            </a:r>
+            <a:endParaRPr lang="en-US"/>
+          </a:p>
+        </p:txBody>
+      </p:sp>
+      <p:sp>
+        <p:nvSpPr>
+          <p:cNvPr id="18" name="Rounded Rectangle 17"/>
+          <p:cNvSpPr/>
+          <p:nvPr/>
+        </p:nvSpPr>
+        <p:spPr>
+          <a:xfrm>
+            <a:off x="807339" y="2568041"/>
+            <a:ext cx="1866900" cy="428625"/>
+          </a:xfrm>
+          <a:prstGeom prst="roundRect">
+            <a:avLst/>
+          </a:prstGeom>
+        </p:spPr>
+        <p:style>
+          <a:lnRef idx="1">
+            <a:schemeClr val="accent2"/>
+          </a:lnRef>
+          <a:fillRef idx="3">
+            <a:schemeClr val="accent2"/>
+          </a:fillRef>
+          <a:effectRef idx="2">
+            <a:schemeClr val="accent2"/>
+          </a:effectRef>
+          <a:fontRef idx="minor">
+            <a:schemeClr val="lt1"/>
+          </a:fontRef>
+        </p:style>
+        <p:txBody>
+          <a:bodyPr rtlCol="0" anchor="ctr"/>
+          <a:lstStyle/>
+          <a:p>
+            <a:pPr algn="ctr"/>
+            <a:r>
+              <a:rPr lang="en-US" smtClean="0"/>
+              <a:t>MyEvents</a:t>
+            </a:r>
+            <a:endParaRPr lang="en-US"/>
+          </a:p>
+        </p:txBody>
+      </p:sp>
+      <p:sp>
+        <p:nvSpPr>
+          <p:cNvPr id="19" name="Rounded Rectangle 18"/>
+          <p:cNvSpPr/>
+          <p:nvPr/>
+        </p:nvSpPr>
+        <p:spPr>
+          <a:xfrm>
+            <a:off x="3855339" y="2568041"/>
+            <a:ext cx="1866900" cy="428625"/>
+          </a:xfrm>
+          <a:prstGeom prst="roundRect">
+            <a:avLst/>
+          </a:prstGeom>
+        </p:spPr>
+        <p:style>
+          <a:lnRef idx="1">
+            <a:schemeClr val="accent2"/>
+          </a:lnRef>
+          <a:fillRef idx="3">
+            <a:schemeClr val="accent2"/>
+          </a:fillRef>
+          <a:effectRef idx="2">
+            <a:schemeClr val="accent2"/>
+          </a:effectRef>
+          <a:fontRef idx="minor">
+            <a:schemeClr val="lt1"/>
+          </a:fontRef>
+        </p:style>
+        <p:txBody>
+          <a:bodyPr rtlCol="0" anchor="ctr"/>
+          <a:lstStyle/>
+          <a:p>
+            <a:pPr algn="ctr"/>
+            <a:r>
+              <a:rPr lang="en-US" smtClean="0"/>
+              <a:t>EventDetails</a:t>
+            </a:r>
+            <a:endParaRPr lang="en-US"/>
+          </a:p>
+        </p:txBody>
+      </p:sp>
+      <p:sp>
+        <p:nvSpPr>
+          <p:cNvPr id="20" name="Rounded Rectangle 19"/>
+          <p:cNvSpPr/>
+          <p:nvPr/>
+        </p:nvSpPr>
+        <p:spPr>
+          <a:xfrm>
+            <a:off x="6903339" y="2568041"/>
+            <a:ext cx="1865376" cy="428625"/>
+          </a:xfrm>
+          <a:prstGeom prst="roundRect">
+            <a:avLst/>
+          </a:prstGeom>
+        </p:spPr>
+        <p:style>
+          <a:lnRef idx="1">
+            <a:schemeClr val="accent2"/>
+          </a:lnRef>
+          <a:fillRef idx="3">
+            <a:schemeClr val="accent2"/>
+          </a:fillRef>
+          <a:effectRef idx="2">
+            <a:schemeClr val="accent2"/>
+          </a:effectRef>
+          <a:fontRef idx="minor">
+            <a:schemeClr val="lt1"/>
+          </a:fontRef>
+        </p:style>
+        <p:txBody>
+          <a:bodyPr rtlCol="0" anchor="ctr"/>
+          <a:lstStyle/>
+          <a:p>
+            <a:pPr algn="ctr"/>
+            <a:r>
+              <a:rPr lang="en-US" smtClean="0"/>
+              <a:t>CreateEvent</a:t>
+            </a:r>
+            <a:endParaRPr lang="en-US"/>
+          </a:p>
+        </p:txBody>
+      </p:sp>
+      <p:sp>
+        <p:nvSpPr>
+          <p:cNvPr id="21" name="Rounded Rectangle 20"/>
+          <p:cNvSpPr/>
+          <p:nvPr/>
+        </p:nvSpPr>
+        <p:spPr>
+          <a:xfrm>
+            <a:off x="3850386" y="905624"/>
+            <a:ext cx="1866900" cy="428625"/>
+          </a:xfrm>
+          <a:prstGeom prst="roundRect">
+            <a:avLst/>
+          </a:prstGeom>
+        </p:spPr>
+        <p:style>
+          <a:lnRef idx="1">
+            <a:schemeClr val="accent1"/>
+          </a:lnRef>
+          <a:fillRef idx="3">
+            <a:schemeClr val="accent1"/>
+          </a:fillRef>
+          <a:effectRef idx="2">
+            <a:schemeClr val="accent1"/>
+          </a:effectRef>
+          <a:fontRef idx="minor">
+            <a:schemeClr val="lt1"/>
+          </a:fontRef>
+        </p:style>
+        <p:txBody>
+          <a:bodyPr rtlCol="0" anchor="ctr"/>
+          <a:lstStyle/>
+          <a:p>
+            <a:pPr algn="ctr"/>
+            <a:r>
+              <a:rPr lang="en-US" smtClean="0"/>
+              <a:t>EventCards</a:t>
+            </a:r>
+            <a:endParaRPr lang="en-US"/>
+          </a:p>
+        </p:txBody>
+      </p:sp>
+      <p:sp>
+        <p:nvSpPr>
+          <p:cNvPr id="23" name="TextBox 22"/>
+          <p:cNvSpPr txBox="1"/>
+          <p:nvPr/>
+        </p:nvSpPr>
+        <p:spPr>
+          <a:xfrm>
+            <a:off x="1562100" y="314325"/>
+            <a:ext cx="1212448" cy="369332"/>
+          </a:xfrm>
+          <a:prstGeom prst="rect">
+            <a:avLst/>
+          </a:prstGeom>
+          <a:noFill/>
+        </p:spPr>
+        <p:txBody>
+          <a:bodyPr wrap="none" rtlCol="0">
+            <a:spAutoFit/>
+          </a:bodyPr>
+          <a:lstStyle/>
+          <a:p>
+            <a:r>
+              <a:rPr lang="en-US" b="1" smtClean="0"/>
+              <a:t>Navigation</a:t>
+            </a:r>
+            <a:endParaRPr lang="en-US" b="1"/>
+          </a:p>
+        </p:txBody>
+      </p:sp>
+      <p:sp>
+        <p:nvSpPr>
+          <p:cNvPr id="24" name="Rounded Rectangle 23"/>
+          <p:cNvSpPr/>
+          <p:nvPr/>
+        </p:nvSpPr>
+        <p:spPr>
+          <a:xfrm>
+            <a:off x="9619679" y="426482"/>
+            <a:ext cx="2296096" cy="428625"/>
+          </a:xfrm>
+          <a:prstGeom prst="roundRect">
+            <a:avLst/>
+          </a:prstGeom>
+        </p:spPr>
+        <p:style>
+          <a:lnRef idx="1">
+            <a:schemeClr val="accent6"/>
+          </a:lnRef>
+          <a:fillRef idx="3">
+            <a:schemeClr val="accent6"/>
+          </a:fillRef>
+          <a:effectRef idx="2">
+            <a:schemeClr val="accent6"/>
+          </a:effectRef>
+          <a:fontRef idx="minor">
+            <a:schemeClr val="lt1"/>
+          </a:fontRef>
+        </p:style>
+        <p:txBody>
+          <a:bodyPr rtlCol="0" anchor="ctr"/>
+          <a:lstStyle/>
+          <a:p>
+            <a:pPr algn="ctr"/>
+            <a:r>
+              <a:rPr lang="en-US" sz="1400" smtClean="0"/>
+              <a:t>Loaded by App</a:t>
+            </a:r>
+            <a:endParaRPr lang="en-US" sz="1400"/>
+          </a:p>
+        </p:txBody>
+      </p:sp>
+      <p:sp>
+        <p:nvSpPr>
+          <p:cNvPr id="25" name="Rounded Rectangle 24"/>
+          <p:cNvSpPr/>
+          <p:nvPr/>
+        </p:nvSpPr>
+        <p:spPr>
+          <a:xfrm>
+            <a:off x="9619679" y="1019074"/>
+            <a:ext cx="2296096" cy="428625"/>
+          </a:xfrm>
+          <a:prstGeom prst="roundRect">
+            <a:avLst/>
+          </a:prstGeom>
+        </p:spPr>
+        <p:style>
+          <a:lnRef idx="1">
+            <a:schemeClr val="accent2"/>
+          </a:lnRef>
+          <a:fillRef idx="3">
+            <a:schemeClr val="accent2"/>
+          </a:fillRef>
+          <a:effectRef idx="2">
+            <a:schemeClr val="accent2"/>
+          </a:effectRef>
+          <a:fontRef idx="minor">
+            <a:schemeClr val="lt1"/>
+          </a:fontRef>
+        </p:style>
+        <p:txBody>
+          <a:bodyPr rtlCol="0" anchor="ctr"/>
+          <a:lstStyle/>
+          <a:p>
+            <a:pPr algn="ctr"/>
+            <a:r>
+              <a:rPr lang="en-US" sz="1400" smtClean="0"/>
+              <a:t>Loaded by EventsController</a:t>
+            </a:r>
+            <a:endParaRPr lang="en-US" sz="1400"/>
+          </a:p>
+        </p:txBody>
+      </p:sp>
+      <p:sp>
+        <p:nvSpPr>
+          <p:cNvPr id="26" name="Rounded Rectangle 25"/>
+          <p:cNvSpPr/>
+          <p:nvPr/>
+        </p:nvSpPr>
+        <p:spPr>
+          <a:xfrm>
+            <a:off x="9619679" y="1671537"/>
+            <a:ext cx="2296096" cy="428625"/>
+          </a:xfrm>
+          <a:prstGeom prst="roundRect">
+            <a:avLst/>
+          </a:prstGeom>
+        </p:spPr>
+        <p:style>
+          <a:lnRef idx="1">
+            <a:schemeClr val="accent1"/>
+          </a:lnRef>
+          <a:fillRef idx="3">
+            <a:schemeClr val="accent1"/>
+          </a:fillRef>
+          <a:effectRef idx="2">
+            <a:schemeClr val="accent1"/>
+          </a:effectRef>
+          <a:fontRef idx="minor">
+            <a:schemeClr val="lt1"/>
+          </a:fontRef>
+        </p:style>
+        <p:txBody>
+          <a:bodyPr rtlCol="0" anchor="ctr"/>
+          <a:lstStyle/>
+          <a:p>
+            <a:pPr algn="ctr"/>
+            <a:r>
+              <a:rPr lang="en-US" sz="1400" smtClean="0"/>
+              <a:t>Loaded by Home</a:t>
+            </a:r>
+            <a:endParaRPr lang="en-US" sz="1400"/>
+          </a:p>
+        </p:txBody>
+      </p:sp>
+      <p:sp>
+        <p:nvSpPr>
+          <p:cNvPr id="2" name="Left-Right Arrow 1"/>
+          <p:cNvSpPr/>
+          <p:nvPr/>
+        </p:nvSpPr>
+        <p:spPr>
+          <a:xfrm>
+            <a:off x="2943225" y="952738"/>
+            <a:ext cx="638175" cy="334397"/>
+          </a:xfrm>
+          <a:prstGeom prst="leftRightArrow">
+            <a:avLst/>
+          </a:prstGeom>
+          <a:solidFill>
+            <a:schemeClr val="tx1">
+              <a:lumMod val="85000"/>
+              <a:lumOff val="15000"/>
+            </a:schemeClr>
+          </a:solidFill>
+          <a:ln>
+            <a:solidFill>
+              <a:schemeClr val="tx1">
+                <a:lumMod val="95000"/>
+                <a:lumOff val="5000"/>
+              </a:schemeClr>
+            </a:solidFill>
+          </a:ln>
+        </p:spPr>
+        <p:style>
+          <a:lnRef idx="2">
+            <a:schemeClr val="accent1">
+              <a:shade val="50000"/>
+            </a:schemeClr>
+          </a:lnRef>
+          <a:fillRef idx="1">
+            <a:schemeClr val="accent1"/>
+          </a:fillRef>
+          <a:effectRef idx="0">
+            <a:schemeClr val="accent1"/>
+          </a:effectRef>
+          <a:fontRef idx="minor">
+            <a:schemeClr val="lt1"/>
+          </a:fontRef>
+        </p:style>
+        <p:txBody>
+          <a:bodyPr rtlCol="0" anchor="ctr"/>
+          <a:lstStyle/>
+          <a:p>
+            <a:pPr algn="ctr"/>
+            <a:endParaRPr lang="en-US"/>
+          </a:p>
+        </p:txBody>
+      </p:sp>
+      <p:sp>
+        <p:nvSpPr>
+          <p:cNvPr id="27" name="Left-Right Arrow 26"/>
+          <p:cNvSpPr/>
+          <p:nvPr/>
+        </p:nvSpPr>
+        <p:spPr>
+          <a:xfrm>
+            <a:off x="2943225" y="2615155"/>
+            <a:ext cx="638175" cy="334397"/>
+          </a:xfrm>
+          <a:prstGeom prst="leftRightArrow">
+            <a:avLst/>
+          </a:prstGeom>
+          <a:solidFill>
+            <a:schemeClr val="tx1">
+              <a:lumMod val="85000"/>
+              <a:lumOff val="15000"/>
+            </a:schemeClr>
+          </a:solidFill>
+          <a:ln>
+            <a:solidFill>
+              <a:schemeClr val="tx1">
+                <a:lumMod val="95000"/>
+                <a:lumOff val="5000"/>
+              </a:schemeClr>
+            </a:solidFill>
+          </a:ln>
+        </p:spPr>
+        <p:style>
+          <a:lnRef idx="2">
+            <a:schemeClr val="accent1">
+              <a:shade val="50000"/>
+            </a:schemeClr>
+          </a:lnRef>
+          <a:fillRef idx="1">
+            <a:schemeClr val="accent1"/>
+          </a:fillRef>
+          <a:effectRef idx="0">
+            <a:schemeClr val="accent1"/>
+          </a:effectRef>
+          <a:fontRef idx="minor">
+            <a:schemeClr val="lt1"/>
+          </a:fontRef>
+        </p:style>
+        <p:txBody>
+          <a:bodyPr rtlCol="0" anchor="ctr"/>
+          <a:lstStyle/>
+          <a:p>
+            <a:pPr algn="ctr"/>
+            <a:endParaRPr lang="en-US"/>
+          </a:p>
+        </p:txBody>
+      </p:sp>
+      <p:sp>
+        <p:nvSpPr>
+          <p:cNvPr id="28" name="Left-Right Arrow 27"/>
+          <p:cNvSpPr/>
+          <p:nvPr/>
+        </p:nvSpPr>
+        <p:spPr>
+          <a:xfrm>
+            <a:off x="5994463" y="2615155"/>
+            <a:ext cx="638175" cy="334397"/>
+          </a:xfrm>
+          <a:prstGeom prst="leftRightArrow">
+            <a:avLst/>
+          </a:prstGeom>
+          <a:solidFill>
+            <a:schemeClr val="tx1">
+              <a:lumMod val="85000"/>
+              <a:lumOff val="15000"/>
+            </a:schemeClr>
+          </a:solidFill>
+          <a:ln>
+            <a:solidFill>
+              <a:schemeClr val="tx1">
+                <a:lumMod val="95000"/>
+                <a:lumOff val="5000"/>
+              </a:schemeClr>
+            </a:solidFill>
+          </a:ln>
+        </p:spPr>
+        <p:style>
+          <a:lnRef idx="2">
+            <a:schemeClr val="accent1">
+              <a:shade val="50000"/>
+            </a:schemeClr>
+          </a:lnRef>
+          <a:fillRef idx="1">
+            <a:schemeClr val="accent1"/>
+          </a:fillRef>
+          <a:effectRef idx="0">
+            <a:schemeClr val="accent1"/>
+          </a:effectRef>
+          <a:fontRef idx="minor">
+            <a:schemeClr val="lt1"/>
+          </a:fontRef>
+        </p:style>
+        <p:txBody>
+          <a:bodyPr rtlCol="0" anchor="ctr"/>
+          <a:lstStyle/>
+          <a:p>
+            <a:pPr algn="ctr"/>
+            <a:endParaRPr lang="en-US"/>
+          </a:p>
+        </p:txBody>
+      </p:sp>
+    </p:spTree>
+    <p:extLst>
+      <p:ext uri="{BB962C8B-B14F-4D97-AF65-F5344CB8AC3E}">
+        <p14:creationId xmlns:p14="http://schemas.microsoft.com/office/powerpoint/2010/main" val="1318602702"/>
+      </p:ext>
+    </p:extLst>
+  </p:cSld>
+  <p:clrMapOvr>
+    <a:masterClrMapping/>
+  </p:clrMapOvr>
+  <p:timing>
+    <p:tnLst>
+      <p:par>
+        <p:cTn id="1" dur="indefinite" restart="never" nodeType="tmRoot"/>
+      </p:par>
+    </p:tnLst>
+  </p:timing>
+</p:sld>
+</file>
+
+<file path=ppt/slides/slide3.xml><?xml version="1.0" encoding="utf-8"?>
+<p:sld xmlns:a="http://schemas.openxmlformats.org/drawingml/2006/main" xmlns:r="http://schemas.openxmlformats.org/officeDocument/2006/relationships" xmlns:p="http://schemas.openxmlformats.org/presentationml/2006/main">
+  <p:cSld>
+    <p:spTree>
+      <p:nvGrpSpPr>
+        <p:cNvPr id="1" name=""/>
+        <p:cNvGrpSpPr/>
+        <p:nvPr/>
+      </p:nvGrpSpPr>
+      <p:grpSpPr>
+        <a:xfrm>
+          <a:off x="0" y="0"/>
+          <a:ext cx="0" cy="0"/>
+          <a:chOff x="0" y="0"/>
+          <a:chExt cx="0" cy="0"/>
+        </a:xfrm>
+      </p:grpSpPr>
+      <p:sp>
+        <p:nvSpPr>
+          <p:cNvPr id="6" name="Rounded Rectangle 5"/>
+          <p:cNvSpPr/>
+          <p:nvPr/>
+        </p:nvSpPr>
+        <p:spPr>
+          <a:xfrm>
+            <a:off x="581025" y="685800"/>
+            <a:ext cx="1865376" cy="428625"/>
+          </a:xfrm>
+          <a:prstGeom prst="roundRect">
+            <a:avLst/>
+          </a:prstGeom>
+        </p:spPr>
+        <p:style>
+          <a:lnRef idx="1">
+            <a:schemeClr val="accent5"/>
+          </a:lnRef>
+          <a:fillRef idx="3">
+            <a:schemeClr val="accent5"/>
+          </a:fillRef>
+          <a:effectRef idx="2">
+            <a:schemeClr val="accent5"/>
+          </a:effectRef>
+          <a:fontRef idx="minor">
+            <a:schemeClr val="lt1"/>
+          </a:fontRef>
+        </p:style>
+        <p:txBody>
+          <a:bodyPr rtlCol="0" anchor="ctr"/>
+          <a:lstStyle/>
+          <a:p>
+            <a:pPr algn="ctr"/>
+            <a:r>
+              <a:rPr lang="en-US" smtClean="0"/>
+              <a:t>App</a:t>
+            </a:r>
+            <a:endParaRPr lang="en-US"/>
+          </a:p>
+        </p:txBody>
+      </p:sp>
+      <p:sp>
+        <p:nvSpPr>
+          <p:cNvPr id="7" name="Rounded Rectangle 6"/>
+          <p:cNvSpPr/>
+          <p:nvPr/>
+        </p:nvSpPr>
+        <p:spPr>
+          <a:xfrm>
+            <a:off x="1542288" y="3686855"/>
+            <a:ext cx="1865376" cy="428625"/>
+          </a:xfrm>
+          <a:prstGeom prst="roundRect">
+            <a:avLst/>
+          </a:prstGeom>
+        </p:spPr>
+        <p:style>
+          <a:lnRef idx="3">
+            <a:schemeClr val="lt1"/>
+          </a:lnRef>
+          <a:fillRef idx="1">
+            <a:schemeClr val="accent3"/>
+          </a:fillRef>
+          <a:effectRef idx="1">
+            <a:schemeClr val="accent3"/>
+          </a:effectRef>
+          <a:fontRef idx="minor">
+            <a:schemeClr val="lt1"/>
+          </a:fontRef>
+        </p:style>
+        <p:txBody>
+          <a:bodyPr rtlCol="0" anchor="ctr"/>
+          <a:lstStyle/>
+          <a:p>
+            <a:pPr algn="ctr"/>
+            <a:r>
+              <a:rPr lang="en-US" smtClean="0"/>
+              <a:t>CreateEvent</a:t>
+            </a:r>
+            <a:endParaRPr lang="en-US"/>
+          </a:p>
+        </p:txBody>
+      </p:sp>
+      <p:sp>
+        <p:nvSpPr>
+          <p:cNvPr id="8" name="Rounded Rectangle 7"/>
+          <p:cNvSpPr/>
+          <p:nvPr/>
+        </p:nvSpPr>
+        <p:spPr>
+          <a:xfrm>
+            <a:off x="1064514" y="1890032"/>
+            <a:ext cx="1866900" cy="428625"/>
+          </a:xfrm>
+          <a:prstGeom prst="roundRect">
+            <a:avLst/>
+          </a:prstGeom>
+        </p:spPr>
+        <p:style>
+          <a:lnRef idx="1">
+            <a:schemeClr val="accent6"/>
+          </a:lnRef>
+          <a:fillRef idx="3">
+            <a:schemeClr val="accent6"/>
+          </a:fillRef>
+          <a:effectRef idx="2">
+            <a:schemeClr val="accent6"/>
+          </a:effectRef>
+          <a:fontRef idx="minor">
+            <a:schemeClr val="lt1"/>
+          </a:fontRef>
+        </p:style>
+        <p:txBody>
+          <a:bodyPr rtlCol="0" anchor="ctr"/>
+          <a:lstStyle/>
+          <a:p>
+            <a:pPr algn="ctr"/>
+            <a:r>
+              <a:rPr lang="en-US" smtClean="0"/>
+              <a:t>EventsController</a:t>
+            </a:r>
+            <a:endParaRPr lang="en-US"/>
+          </a:p>
+        </p:txBody>
+      </p:sp>
+      <p:sp>
+        <p:nvSpPr>
+          <p:cNvPr id="9" name="Rounded Rectangle 8"/>
+          <p:cNvSpPr/>
+          <p:nvPr/>
+        </p:nvSpPr>
+        <p:spPr>
+          <a:xfrm>
+            <a:off x="1893951" y="3094264"/>
+            <a:ext cx="1866900" cy="428625"/>
+          </a:xfrm>
+          <a:prstGeom prst="roundRect">
+            <a:avLst/>
+          </a:prstGeom>
+        </p:spPr>
+        <p:style>
+          <a:lnRef idx="1">
+            <a:schemeClr val="accent1"/>
+          </a:lnRef>
+          <a:fillRef idx="3">
+            <a:schemeClr val="accent1"/>
+          </a:fillRef>
+          <a:effectRef idx="2">
+            <a:schemeClr val="accent1"/>
+          </a:effectRef>
+          <a:fontRef idx="minor">
+            <a:schemeClr val="lt1"/>
+          </a:fontRef>
+        </p:style>
+        <p:txBody>
+          <a:bodyPr rtlCol="0" anchor="ctr"/>
+          <a:lstStyle/>
+          <a:p>
+            <a:pPr algn="ctr"/>
+            <a:r>
+              <a:rPr lang="en-US" smtClean="0"/>
+              <a:t>EventCards</a:t>
+            </a:r>
+            <a:endParaRPr lang="en-US"/>
+          </a:p>
+        </p:txBody>
+      </p:sp>
+      <p:sp>
+        <p:nvSpPr>
+          <p:cNvPr id="10" name="Rounded Rectangle 9"/>
+          <p:cNvSpPr/>
+          <p:nvPr/>
+        </p:nvSpPr>
+        <p:spPr>
+          <a:xfrm>
+            <a:off x="1540764" y="4900613"/>
+            <a:ext cx="1866900" cy="428625"/>
+          </a:xfrm>
+          <a:prstGeom prst="roundRect">
+            <a:avLst/>
+          </a:prstGeom>
+        </p:spPr>
+        <p:style>
+          <a:lnRef idx="3">
+            <a:schemeClr val="lt1"/>
+          </a:lnRef>
+          <a:fillRef idx="1">
+            <a:schemeClr val="accent3"/>
+          </a:fillRef>
+          <a:effectRef idx="1">
+            <a:schemeClr val="accent3"/>
+          </a:effectRef>
+          <a:fontRef idx="minor">
+            <a:schemeClr val="lt1"/>
+          </a:fontRef>
+        </p:style>
+        <p:txBody>
+          <a:bodyPr rtlCol="0" anchor="ctr"/>
+          <a:lstStyle/>
+          <a:p>
+            <a:pPr algn="ctr"/>
+            <a:r>
+              <a:rPr lang="en-US" smtClean="0"/>
+              <a:t>EventDetails</a:t>
+            </a:r>
+            <a:endParaRPr lang="en-US"/>
+          </a:p>
+        </p:txBody>
+      </p:sp>
+      <p:sp>
+        <p:nvSpPr>
+          <p:cNvPr id="11" name="Rounded Rectangle 10"/>
+          <p:cNvSpPr/>
+          <p:nvPr/>
+        </p:nvSpPr>
+        <p:spPr>
+          <a:xfrm>
+            <a:off x="1512951" y="2492148"/>
+            <a:ext cx="1866900" cy="428625"/>
+          </a:xfrm>
+          <a:prstGeom prst="roundRect">
+            <a:avLst/>
+          </a:prstGeom>
+        </p:spPr>
+        <p:style>
+          <a:lnRef idx="1">
+            <a:schemeClr val="accent2"/>
+          </a:lnRef>
+          <a:fillRef idx="3">
+            <a:schemeClr val="accent2"/>
+          </a:fillRef>
+          <a:effectRef idx="2">
+            <a:schemeClr val="accent2"/>
+          </a:effectRef>
+          <a:fontRef idx="minor">
+            <a:schemeClr val="lt1"/>
+          </a:fontRef>
+        </p:style>
+        <p:txBody>
+          <a:bodyPr rtlCol="0" anchor="ctr"/>
+          <a:lstStyle/>
+          <a:p>
+            <a:pPr algn="ctr"/>
+            <a:r>
+              <a:rPr lang="en-US" smtClean="0"/>
+              <a:t>Home</a:t>
+            </a:r>
+            <a:endParaRPr lang="en-US"/>
+          </a:p>
+        </p:txBody>
+      </p:sp>
+      <p:sp>
+        <p:nvSpPr>
+          <p:cNvPr id="12" name="Rounded Rectangle 11"/>
+          <p:cNvSpPr/>
+          <p:nvPr/>
+        </p:nvSpPr>
+        <p:spPr>
+          <a:xfrm>
+            <a:off x="1064514" y="1287916"/>
+            <a:ext cx="1866900" cy="428625"/>
+          </a:xfrm>
+          <a:prstGeom prst="roundRect">
+            <a:avLst/>
+          </a:prstGeom>
+        </p:spPr>
+        <p:style>
+          <a:lnRef idx="3">
+            <a:schemeClr val="lt1"/>
+          </a:lnRef>
+          <a:fillRef idx="1">
+            <a:schemeClr val="accent3"/>
+          </a:fillRef>
+          <a:effectRef idx="1">
+            <a:schemeClr val="accent3"/>
+          </a:effectRef>
+          <a:fontRef idx="minor">
+            <a:schemeClr val="lt1"/>
+          </a:fontRef>
+        </p:style>
+        <p:txBody>
+          <a:bodyPr rtlCol="0" anchor="ctr"/>
+          <a:lstStyle/>
+          <a:p>
+            <a:pPr algn="ctr"/>
+            <a:r>
+              <a:rPr lang="en-US" smtClean="0"/>
+              <a:t>Login</a:t>
+            </a:r>
+            <a:endParaRPr lang="en-US"/>
+          </a:p>
+        </p:txBody>
+      </p:sp>
+      <p:sp>
+        <p:nvSpPr>
+          <p:cNvPr id="13" name="Rounded Rectangle 12"/>
+          <p:cNvSpPr/>
+          <p:nvPr/>
+        </p:nvSpPr>
+        <p:spPr>
+          <a:xfrm>
+            <a:off x="1540764" y="4298496"/>
+            <a:ext cx="1866900" cy="428625"/>
+          </a:xfrm>
+          <a:prstGeom prst="roundRect">
+            <a:avLst/>
+          </a:prstGeom>
+        </p:spPr>
+        <p:style>
+          <a:lnRef idx="3">
+            <a:schemeClr val="lt1"/>
+          </a:lnRef>
+          <a:fillRef idx="1">
+            <a:schemeClr val="accent3"/>
+          </a:fillRef>
+          <a:effectRef idx="1">
+            <a:schemeClr val="accent3"/>
+          </a:effectRef>
+          <a:fontRef idx="minor">
+            <a:schemeClr val="lt1"/>
+          </a:fontRef>
+        </p:style>
+        <p:txBody>
+          <a:bodyPr rtlCol="0" anchor="ctr"/>
+          <a:lstStyle/>
+          <a:p>
+            <a:pPr algn="ctr"/>
+            <a:r>
+              <a:rPr lang="en-US" smtClean="0"/>
+              <a:t>MyEvents</a:t>
+            </a:r>
+            <a:endParaRPr lang="en-US"/>
+          </a:p>
+        </p:txBody>
+      </p:sp>
+      <p:sp>
+        <p:nvSpPr>
+          <p:cNvPr id="22" name="TextBox 21"/>
+          <p:cNvSpPr txBox="1"/>
+          <p:nvPr/>
+        </p:nvSpPr>
+        <p:spPr>
+          <a:xfrm>
+            <a:off x="685800" y="200025"/>
+            <a:ext cx="756938" cy="369332"/>
+          </a:xfrm>
+          <a:prstGeom prst="rect">
+            <a:avLst/>
+          </a:prstGeom>
+          <a:noFill/>
+        </p:spPr>
+        <p:txBody>
+          <a:bodyPr wrap="none" rtlCol="0">
+            <a:spAutoFit/>
+          </a:bodyPr>
+          <a:lstStyle/>
+          <a:p>
+            <a:r>
+              <a:rPr lang="en-US" b="1" smtClean="0"/>
+              <a:t>Home</a:t>
+            </a:r>
+            <a:endParaRPr lang="en-US" b="1"/>
+          </a:p>
+        </p:txBody>
+      </p:sp>
+      <p:sp>
+        <p:nvSpPr>
+          <p:cNvPr id="24" name="Rounded Rectangle 23"/>
+          <p:cNvSpPr/>
+          <p:nvPr/>
+        </p:nvSpPr>
+        <p:spPr>
+          <a:xfrm>
+            <a:off x="9619679" y="426482"/>
+            <a:ext cx="2296096" cy="428625"/>
+          </a:xfrm>
+          <a:prstGeom prst="roundRect">
+            <a:avLst/>
+          </a:prstGeom>
+        </p:spPr>
+        <p:style>
+          <a:lnRef idx="1">
+            <a:schemeClr val="accent6"/>
+          </a:lnRef>
+          <a:fillRef idx="3">
+            <a:schemeClr val="accent6"/>
+          </a:fillRef>
+          <a:effectRef idx="2">
+            <a:schemeClr val="accent6"/>
+          </a:effectRef>
+          <a:fontRef idx="minor">
+            <a:schemeClr val="lt1"/>
+          </a:fontRef>
+        </p:style>
+        <p:txBody>
+          <a:bodyPr rtlCol="0" anchor="ctr"/>
+          <a:lstStyle/>
+          <a:p>
+            <a:pPr algn="ctr"/>
+            <a:r>
+              <a:rPr lang="en-US" sz="1400" smtClean="0"/>
+              <a:t>Loaded by App</a:t>
+            </a:r>
+            <a:endParaRPr lang="en-US" sz="1400"/>
+          </a:p>
+        </p:txBody>
+      </p:sp>
+      <p:sp>
+        <p:nvSpPr>
+          <p:cNvPr id="25" name="Rounded Rectangle 24"/>
+          <p:cNvSpPr/>
+          <p:nvPr/>
+        </p:nvSpPr>
+        <p:spPr>
+          <a:xfrm>
+            <a:off x="9619679" y="1019074"/>
+            <a:ext cx="2296096" cy="428625"/>
+          </a:xfrm>
+          <a:prstGeom prst="roundRect">
+            <a:avLst/>
+          </a:prstGeom>
+        </p:spPr>
+        <p:style>
+          <a:lnRef idx="1">
+            <a:schemeClr val="accent2"/>
+          </a:lnRef>
+          <a:fillRef idx="3">
+            <a:schemeClr val="accent2"/>
+          </a:fillRef>
+          <a:effectRef idx="2">
+            <a:schemeClr val="accent2"/>
+          </a:effectRef>
+          <a:fontRef idx="minor">
+            <a:schemeClr val="lt1"/>
+          </a:fontRef>
+        </p:style>
+        <p:txBody>
+          <a:bodyPr rtlCol="0" anchor="ctr"/>
+          <a:lstStyle/>
+          <a:p>
+            <a:pPr algn="ctr"/>
+            <a:r>
+              <a:rPr lang="en-US" sz="1400" smtClean="0"/>
+              <a:t>Loaded by EventsController</a:t>
+            </a:r>
+            <a:endParaRPr lang="en-US" sz="1400"/>
+          </a:p>
+        </p:txBody>
+      </p:sp>
+      <p:sp>
+        <p:nvSpPr>
+          <p:cNvPr id="26" name="Rounded Rectangle 25"/>
+          <p:cNvSpPr/>
+          <p:nvPr/>
+        </p:nvSpPr>
+        <p:spPr>
+          <a:xfrm>
+            <a:off x="9619679" y="1671537"/>
+            <a:ext cx="2296096" cy="428625"/>
+          </a:xfrm>
+          <a:prstGeom prst="roundRect">
+            <a:avLst/>
+          </a:prstGeom>
+        </p:spPr>
+        <p:style>
+          <a:lnRef idx="1">
+            <a:schemeClr val="accent1"/>
+          </a:lnRef>
+          <a:fillRef idx="3">
+            <a:schemeClr val="accent1"/>
+          </a:fillRef>
+          <a:effectRef idx="2">
+            <a:schemeClr val="accent1"/>
+          </a:effectRef>
+          <a:fontRef idx="minor">
+            <a:schemeClr val="lt1"/>
+          </a:fontRef>
+        </p:style>
+        <p:txBody>
+          <a:bodyPr rtlCol="0" anchor="ctr"/>
+          <a:lstStyle/>
+          <a:p>
+            <a:pPr algn="ctr"/>
+            <a:r>
+              <a:rPr lang="en-US" sz="1400" smtClean="0"/>
+              <a:t>Loaded by Home</a:t>
+            </a:r>
+            <a:endParaRPr lang="en-US" sz="1400"/>
+          </a:p>
+        </p:txBody>
+      </p:sp>
+      <p:sp>
+        <p:nvSpPr>
+          <p:cNvPr id="27" name="Rounded Rectangle 26"/>
+          <p:cNvSpPr/>
+          <p:nvPr/>
+        </p:nvSpPr>
+        <p:spPr>
+          <a:xfrm>
+            <a:off x="9619679" y="2300187"/>
+            <a:ext cx="2296096" cy="428625"/>
+          </a:xfrm>
+          <a:prstGeom prst="roundRect">
+            <a:avLst/>
+          </a:prstGeom>
+        </p:spPr>
+        <p:style>
+          <a:lnRef idx="3">
+            <a:schemeClr val="lt1"/>
+          </a:lnRef>
+          <a:fillRef idx="1">
+            <a:schemeClr val="accent3"/>
+          </a:fillRef>
+          <a:effectRef idx="1">
+            <a:schemeClr val="accent3"/>
+          </a:effectRef>
+          <a:fontRef idx="minor">
+            <a:schemeClr val="lt1"/>
+          </a:fontRef>
+        </p:style>
+        <p:txBody>
+          <a:bodyPr rtlCol="0" anchor="ctr"/>
+          <a:lstStyle/>
+          <a:p>
+            <a:pPr algn="ctr"/>
+            <a:r>
+              <a:rPr lang="en-US" sz="1400" smtClean="0"/>
+              <a:t>Not loaded</a:t>
+            </a:r>
+            <a:endParaRPr lang="en-US" sz="1400"/>
+          </a:p>
+        </p:txBody>
+      </p:sp>
+    </p:spTree>
+    <p:extLst>
+      <p:ext uri="{BB962C8B-B14F-4D97-AF65-F5344CB8AC3E}">
+        <p14:creationId xmlns:p14="http://schemas.microsoft.com/office/powerpoint/2010/main" val="4174632791"/>
+      </p:ext>
+    </p:extLst>
+  </p:cSld>
+  <p:clrMapOvr>
+    <a:masterClrMapping/>
+  </p:clrMapOvr>
+  <p:timing>
+    <p:tnLst>
+      <p:par>
+        <p:cTn id="1" dur="indefinite" restart="never" nodeType="tmRoot"/>
+      </p:par>
+    </p:tnLst>
+  </p:timing>
+</p:sld>
+</file>
+
+<file path=ppt/slides/slide4.xml><?xml version="1.0" encoding="utf-8"?>
+<p:sld xmlns:a="http://schemas.openxmlformats.org/drawingml/2006/main" xmlns:r="http://schemas.openxmlformats.org/officeDocument/2006/relationships" xmlns:p="http://schemas.openxmlformats.org/presentationml/2006/main">
+  <p:cSld>
+    <p:spTree>
+      <p:nvGrpSpPr>
+        <p:cNvPr id="1" name=""/>
+        <p:cNvGrpSpPr/>
+        <p:nvPr/>
+      </p:nvGrpSpPr>
+      <p:grpSpPr>
+        <a:xfrm>
+          <a:off x="0" y="0"/>
+          <a:ext cx="0" cy="0"/>
+          <a:chOff x="0" y="0"/>
+          <a:chExt cx="0" cy="0"/>
+        </a:xfrm>
+      </p:grpSpPr>
+      <p:sp>
+        <p:nvSpPr>
+          <p:cNvPr id="6" name="Rounded Rectangle 5"/>
+          <p:cNvSpPr/>
+          <p:nvPr/>
+        </p:nvSpPr>
+        <p:spPr>
+          <a:xfrm>
+            <a:off x="581025" y="685800"/>
+            <a:ext cx="1865376" cy="428625"/>
+          </a:xfrm>
+          <a:prstGeom prst="roundRect">
+            <a:avLst/>
+          </a:prstGeom>
+        </p:spPr>
+        <p:style>
+          <a:lnRef idx="1">
+            <a:schemeClr val="accent5"/>
+          </a:lnRef>
+          <a:fillRef idx="3">
+            <a:schemeClr val="accent5"/>
+          </a:fillRef>
+          <a:effectRef idx="2">
+            <a:schemeClr val="accent5"/>
+          </a:effectRef>
+          <a:fontRef idx="minor">
+            <a:schemeClr val="lt1"/>
+          </a:fontRef>
+        </p:style>
+        <p:txBody>
+          <a:bodyPr rtlCol="0" anchor="ctr"/>
+          <a:lstStyle/>
+          <a:p>
+            <a:pPr algn="ctr"/>
+            <a:r>
+              <a:rPr lang="en-US" smtClean="0"/>
+              <a:t>App</a:t>
+            </a:r>
+            <a:endParaRPr lang="en-US"/>
+          </a:p>
+        </p:txBody>
+      </p:sp>
+      <p:sp>
+        <p:nvSpPr>
+          <p:cNvPr id="7" name="Rounded Rectangle 6"/>
+          <p:cNvSpPr/>
+          <p:nvPr/>
+        </p:nvSpPr>
+        <p:spPr>
+          <a:xfrm>
+            <a:off x="1542288" y="3686855"/>
+            <a:ext cx="1865376" cy="428625"/>
+          </a:xfrm>
+          <a:prstGeom prst="roundRect">
+            <a:avLst/>
+          </a:prstGeom>
+        </p:spPr>
+        <p:style>
+          <a:lnRef idx="3">
+            <a:schemeClr val="lt1"/>
+          </a:lnRef>
+          <a:fillRef idx="1">
+            <a:schemeClr val="accent3"/>
+          </a:fillRef>
+          <a:effectRef idx="1">
+            <a:schemeClr val="accent3"/>
+          </a:effectRef>
+          <a:fontRef idx="minor">
+            <a:schemeClr val="lt1"/>
+          </a:fontRef>
+        </p:style>
+        <p:txBody>
+          <a:bodyPr rtlCol="0" anchor="ctr"/>
+          <a:lstStyle/>
+          <a:p>
+            <a:pPr algn="ctr"/>
+            <a:r>
+              <a:rPr lang="en-US" smtClean="0"/>
+              <a:t>CreateEvent</a:t>
+            </a:r>
+            <a:endParaRPr lang="en-US"/>
+          </a:p>
+        </p:txBody>
+      </p:sp>
+      <p:sp>
+        <p:nvSpPr>
+          <p:cNvPr id="8" name="Rounded Rectangle 7"/>
+          <p:cNvSpPr/>
+          <p:nvPr/>
+        </p:nvSpPr>
+        <p:spPr>
+          <a:xfrm>
+            <a:off x="1064514" y="1890032"/>
+            <a:ext cx="1866900" cy="428625"/>
+          </a:xfrm>
+          <a:prstGeom prst="roundRect">
+            <a:avLst/>
+          </a:prstGeom>
+        </p:spPr>
+        <p:style>
+          <a:lnRef idx="1">
+            <a:schemeClr val="accent6"/>
+          </a:lnRef>
+          <a:fillRef idx="3">
+            <a:schemeClr val="accent6"/>
+          </a:fillRef>
+          <a:effectRef idx="2">
+            <a:schemeClr val="accent6"/>
+          </a:effectRef>
+          <a:fontRef idx="minor">
+            <a:schemeClr val="lt1"/>
+          </a:fontRef>
+        </p:style>
+        <p:txBody>
+          <a:bodyPr rtlCol="0" anchor="ctr"/>
+          <a:lstStyle/>
+          <a:p>
+            <a:pPr algn="ctr"/>
+            <a:r>
+              <a:rPr lang="en-US" smtClean="0"/>
+              <a:t>EventsController</a:t>
+            </a:r>
+            <a:endParaRPr lang="en-US"/>
+          </a:p>
+        </p:txBody>
+      </p:sp>
+      <p:sp>
+        <p:nvSpPr>
+          <p:cNvPr id="9" name="Rounded Rectangle 8"/>
+          <p:cNvSpPr/>
+          <p:nvPr/>
+        </p:nvSpPr>
+        <p:spPr>
+          <a:xfrm>
+            <a:off x="1893951" y="3094264"/>
+            <a:ext cx="1866900" cy="428625"/>
+          </a:xfrm>
+          <a:prstGeom prst="roundRect">
+            <a:avLst/>
+          </a:prstGeom>
+        </p:spPr>
+        <p:style>
+          <a:lnRef idx="3">
+            <a:schemeClr val="lt1"/>
+          </a:lnRef>
+          <a:fillRef idx="1">
+            <a:schemeClr val="accent3"/>
+          </a:fillRef>
+          <a:effectRef idx="1">
+            <a:schemeClr val="accent3"/>
+          </a:effectRef>
+          <a:fontRef idx="minor">
+            <a:schemeClr val="lt1"/>
+          </a:fontRef>
+        </p:style>
+        <p:txBody>
+          <a:bodyPr rtlCol="0" anchor="ctr"/>
+          <a:lstStyle/>
+          <a:p>
+            <a:pPr algn="ctr"/>
+            <a:r>
+              <a:rPr lang="en-US" smtClean="0"/>
+              <a:t>EventCards</a:t>
+            </a:r>
+            <a:endParaRPr lang="en-US"/>
+          </a:p>
+        </p:txBody>
+      </p:sp>
+      <p:sp>
+        <p:nvSpPr>
+          <p:cNvPr id="10" name="Rounded Rectangle 9"/>
+          <p:cNvSpPr/>
+          <p:nvPr/>
+        </p:nvSpPr>
+        <p:spPr>
+          <a:xfrm>
+            <a:off x="1540764" y="4900613"/>
+            <a:ext cx="1866900" cy="428625"/>
+          </a:xfrm>
+          <a:prstGeom prst="roundRect">
+            <a:avLst/>
+          </a:prstGeom>
+        </p:spPr>
+        <p:style>
+          <a:lnRef idx="3">
+            <a:schemeClr val="lt1"/>
+          </a:lnRef>
+          <a:fillRef idx="1">
+            <a:schemeClr val="accent3"/>
+          </a:fillRef>
+          <a:effectRef idx="1">
+            <a:schemeClr val="accent3"/>
+          </a:effectRef>
+          <a:fontRef idx="minor">
+            <a:schemeClr val="lt1"/>
+          </a:fontRef>
+        </p:style>
+        <p:txBody>
+          <a:bodyPr rtlCol="0" anchor="ctr"/>
+          <a:lstStyle/>
+          <a:p>
+            <a:pPr algn="ctr"/>
+            <a:r>
+              <a:rPr lang="en-US" smtClean="0"/>
+              <a:t>EventDetails</a:t>
+            </a:r>
+            <a:endParaRPr lang="en-US"/>
+          </a:p>
+        </p:txBody>
+      </p:sp>
+      <p:sp>
+        <p:nvSpPr>
+          <p:cNvPr id="11" name="Rounded Rectangle 10"/>
+          <p:cNvSpPr/>
+          <p:nvPr/>
+        </p:nvSpPr>
+        <p:spPr>
+          <a:xfrm>
+            <a:off x="1512951" y="2492148"/>
+            <a:ext cx="1866900" cy="428625"/>
+          </a:xfrm>
+          <a:prstGeom prst="roundRect">
+            <a:avLst/>
+          </a:prstGeom>
+        </p:spPr>
+        <p:style>
+          <a:lnRef idx="3">
+            <a:schemeClr val="lt1"/>
+          </a:lnRef>
+          <a:fillRef idx="1">
+            <a:schemeClr val="accent3"/>
+          </a:fillRef>
+          <a:effectRef idx="1">
+            <a:schemeClr val="accent3"/>
+          </a:effectRef>
+          <a:fontRef idx="minor">
+            <a:schemeClr val="lt1"/>
+          </a:fontRef>
+        </p:style>
+        <p:txBody>
+          <a:bodyPr rtlCol="0" anchor="ctr"/>
+          <a:lstStyle/>
+          <a:p>
+            <a:pPr algn="ctr"/>
+            <a:r>
+              <a:rPr lang="en-US" smtClean="0"/>
+              <a:t>Home</a:t>
+            </a:r>
+            <a:endParaRPr lang="en-US"/>
+          </a:p>
+        </p:txBody>
+      </p:sp>
+      <p:sp>
+        <p:nvSpPr>
+          <p:cNvPr id="12" name="Rounded Rectangle 11"/>
+          <p:cNvSpPr/>
+          <p:nvPr/>
+        </p:nvSpPr>
+        <p:spPr>
+          <a:xfrm>
+            <a:off x="1064514" y="1287916"/>
+            <a:ext cx="1866900" cy="428625"/>
+          </a:xfrm>
+          <a:prstGeom prst="roundRect">
+            <a:avLst/>
+          </a:prstGeom>
+        </p:spPr>
+        <p:style>
+          <a:lnRef idx="1">
+            <a:schemeClr val="accent6"/>
+          </a:lnRef>
+          <a:fillRef idx="3">
+            <a:schemeClr val="accent6"/>
+          </a:fillRef>
+          <a:effectRef idx="2">
+            <a:schemeClr val="accent6"/>
+          </a:effectRef>
+          <a:fontRef idx="minor">
+            <a:schemeClr val="lt1"/>
+          </a:fontRef>
+        </p:style>
+        <p:txBody>
+          <a:bodyPr rtlCol="0" anchor="ctr"/>
+          <a:lstStyle/>
+          <a:p>
+            <a:pPr algn="ctr"/>
+            <a:r>
+              <a:rPr lang="en-US" smtClean="0"/>
+              <a:t>Login</a:t>
+            </a:r>
+            <a:endParaRPr lang="en-US"/>
+          </a:p>
+        </p:txBody>
+      </p:sp>
+      <p:sp>
+        <p:nvSpPr>
+          <p:cNvPr id="13" name="Rounded Rectangle 12"/>
+          <p:cNvSpPr/>
+          <p:nvPr/>
+        </p:nvSpPr>
+        <p:spPr>
+          <a:xfrm>
+            <a:off x="1540764" y="4298496"/>
+            <a:ext cx="1866900" cy="428625"/>
+          </a:xfrm>
+          <a:prstGeom prst="roundRect">
+            <a:avLst/>
+          </a:prstGeom>
+        </p:spPr>
+        <p:style>
+          <a:lnRef idx="3">
+            <a:schemeClr val="lt1"/>
+          </a:lnRef>
+          <a:fillRef idx="1">
+            <a:schemeClr val="accent3"/>
+          </a:fillRef>
+          <a:effectRef idx="1">
+            <a:schemeClr val="accent3"/>
+          </a:effectRef>
+          <a:fontRef idx="minor">
+            <a:schemeClr val="lt1"/>
+          </a:fontRef>
+        </p:style>
+        <p:txBody>
+          <a:bodyPr rtlCol="0" anchor="ctr"/>
+          <a:lstStyle/>
+          <a:p>
+            <a:pPr algn="ctr"/>
+            <a:r>
+              <a:rPr lang="en-US" smtClean="0"/>
+              <a:t>MyEvents</a:t>
+            </a:r>
+            <a:endParaRPr lang="en-US"/>
+          </a:p>
+        </p:txBody>
+      </p:sp>
+      <p:sp>
+        <p:nvSpPr>
+          <p:cNvPr id="22" name="TextBox 21"/>
+          <p:cNvSpPr txBox="1"/>
+          <p:nvPr/>
+        </p:nvSpPr>
+        <p:spPr>
+          <a:xfrm>
+            <a:off x="685800" y="200025"/>
+            <a:ext cx="1335558" cy="369332"/>
+          </a:xfrm>
+          <a:prstGeom prst="rect">
+            <a:avLst/>
+          </a:prstGeom>
+          <a:noFill/>
+        </p:spPr>
+        <p:txBody>
+          <a:bodyPr wrap="none" rtlCol="0">
+            <a:spAutoFit/>
+          </a:bodyPr>
+          <a:lstStyle/>
+          <a:p>
+            <a:r>
+              <a:rPr lang="en-US" b="1" smtClean="0"/>
+              <a:t>CreateEvent</a:t>
+            </a:r>
+            <a:endParaRPr lang="en-US" b="1"/>
+          </a:p>
+        </p:txBody>
+      </p:sp>
+      <p:sp>
+        <p:nvSpPr>
+          <p:cNvPr id="14" name="Rounded Rectangle 13"/>
+          <p:cNvSpPr/>
+          <p:nvPr/>
+        </p:nvSpPr>
+        <p:spPr>
+          <a:xfrm>
+            <a:off x="9619679" y="426482"/>
+            <a:ext cx="2296096" cy="428625"/>
+          </a:xfrm>
+          <a:prstGeom prst="roundRect">
+            <a:avLst/>
+          </a:prstGeom>
+        </p:spPr>
+        <p:style>
+          <a:lnRef idx="1">
+            <a:schemeClr val="accent6"/>
+          </a:lnRef>
+          <a:fillRef idx="3">
+            <a:schemeClr val="accent6"/>
+          </a:fillRef>
+          <a:effectRef idx="2">
+            <a:schemeClr val="accent6"/>
+          </a:effectRef>
+          <a:fontRef idx="minor">
+            <a:schemeClr val="lt1"/>
+          </a:fontRef>
+        </p:style>
+        <p:txBody>
+          <a:bodyPr rtlCol="0" anchor="ctr"/>
+          <a:lstStyle/>
+          <a:p>
+            <a:pPr algn="ctr"/>
+            <a:r>
+              <a:rPr lang="en-US" sz="1400" smtClean="0"/>
+              <a:t>Loaded by App</a:t>
+            </a:r>
+            <a:endParaRPr lang="en-US" sz="1400"/>
+          </a:p>
+        </p:txBody>
+      </p:sp>
+      <p:sp>
+        <p:nvSpPr>
+          <p:cNvPr id="15" name="Rounded Rectangle 14"/>
+          <p:cNvSpPr/>
+          <p:nvPr/>
+        </p:nvSpPr>
+        <p:spPr>
+          <a:xfrm>
+            <a:off x="9619679" y="1019074"/>
+            <a:ext cx="2296096" cy="428625"/>
+          </a:xfrm>
+          <a:prstGeom prst="roundRect">
+            <a:avLst/>
+          </a:prstGeom>
+        </p:spPr>
+        <p:style>
+          <a:lnRef idx="1">
+            <a:schemeClr val="accent2"/>
+          </a:lnRef>
+          <a:fillRef idx="3">
+            <a:schemeClr val="accent2"/>
+          </a:fillRef>
+          <a:effectRef idx="2">
+            <a:schemeClr val="accent2"/>
+          </a:effectRef>
+          <a:fontRef idx="minor">
+            <a:schemeClr val="lt1"/>
+          </a:fontRef>
+        </p:style>
+        <p:txBody>
+          <a:bodyPr rtlCol="0" anchor="ctr"/>
+          <a:lstStyle/>
+          <a:p>
+            <a:pPr algn="ctr"/>
+            <a:r>
+              <a:rPr lang="en-US" sz="1400" smtClean="0"/>
+              <a:t>Loaded by EventsController</a:t>
+            </a:r>
+            <a:endParaRPr lang="en-US" sz="1400"/>
+          </a:p>
+        </p:txBody>
+      </p:sp>
+      <p:sp>
+        <p:nvSpPr>
+          <p:cNvPr id="16" name="Rounded Rectangle 15"/>
+          <p:cNvSpPr/>
+          <p:nvPr/>
+        </p:nvSpPr>
+        <p:spPr>
+          <a:xfrm>
+            <a:off x="9619679" y="1671537"/>
+            <a:ext cx="2296096" cy="428625"/>
+          </a:xfrm>
+          <a:prstGeom prst="roundRect">
+            <a:avLst/>
+          </a:prstGeom>
+        </p:spPr>
+        <p:style>
+          <a:lnRef idx="1">
+            <a:schemeClr val="accent1"/>
+          </a:lnRef>
+          <a:fillRef idx="3">
+            <a:schemeClr val="accent1"/>
+          </a:fillRef>
+          <a:effectRef idx="2">
+            <a:schemeClr val="accent1"/>
+          </a:effectRef>
+          <a:fontRef idx="minor">
+            <a:schemeClr val="lt1"/>
+          </a:fontRef>
+        </p:style>
+        <p:txBody>
+          <a:bodyPr rtlCol="0" anchor="ctr"/>
+          <a:lstStyle/>
+          <a:p>
+            <a:pPr algn="ctr"/>
+            <a:r>
+              <a:rPr lang="en-US" sz="1400" smtClean="0"/>
+              <a:t>Loaded by Home</a:t>
+            </a:r>
+            <a:endParaRPr lang="en-US" sz="1400"/>
+          </a:p>
+        </p:txBody>
+      </p:sp>
+      <p:sp>
+        <p:nvSpPr>
+          <p:cNvPr id="17" name="Rounded Rectangle 16"/>
+          <p:cNvSpPr/>
+          <p:nvPr/>
+        </p:nvSpPr>
+        <p:spPr>
+          <a:xfrm>
+            <a:off x="9619679" y="2300187"/>
+            <a:ext cx="2296096" cy="428625"/>
+          </a:xfrm>
+          <a:prstGeom prst="roundRect">
+            <a:avLst/>
+          </a:prstGeom>
+        </p:spPr>
+        <p:style>
+          <a:lnRef idx="3">
+            <a:schemeClr val="lt1"/>
+          </a:lnRef>
+          <a:fillRef idx="1">
+            <a:schemeClr val="accent3"/>
+          </a:fillRef>
+          <a:effectRef idx="1">
+            <a:schemeClr val="accent3"/>
+          </a:effectRef>
+          <a:fontRef idx="minor">
+            <a:schemeClr val="lt1"/>
+          </a:fontRef>
+        </p:style>
+        <p:txBody>
+          <a:bodyPr rtlCol="0" anchor="ctr"/>
+          <a:lstStyle/>
+          <a:p>
+            <a:pPr algn="ctr"/>
+            <a:r>
+              <a:rPr lang="en-US" sz="1400" smtClean="0"/>
+              <a:t>Not loaded</a:t>
+            </a:r>
+            <a:endParaRPr lang="en-US" sz="1400"/>
+          </a:p>
+        </p:txBody>
+      </p:sp>
+    </p:spTree>
+    <p:extLst>
+      <p:ext uri="{BB962C8B-B14F-4D97-AF65-F5344CB8AC3E}">
+        <p14:creationId xmlns:p14="http://schemas.microsoft.com/office/powerpoint/2010/main" val="4269207121"/>
+      </p:ext>
+    </p:extLst>
+  </p:cSld>
+  <p:clrMapOvr>
+    <a:masterClrMapping/>
+  </p:clrMapOvr>
+  <p:timing>
+    <p:tnLst>
+      <p:par>
+        <p:cTn id="1" dur="indefinite" restart="never" nodeType="tmRoot"/>
+      </p:par>
+    </p:tnLst>
+  </p:timing>
+</p:sld>
+</file>
+
+<file path=ppt/slides/slide5.xml><?xml version="1.0" encoding="utf-8"?>
+<p:sld xmlns:a="http://schemas.openxmlformats.org/drawingml/2006/main" xmlns:r="http://schemas.openxmlformats.org/officeDocument/2006/relationships" xmlns:p="http://schemas.openxmlformats.org/presentationml/2006/main">
+  <p:cSld>
+    <p:spTree>
+      <p:nvGrpSpPr>
+        <p:cNvPr id="1" name=""/>
+        <p:cNvGrpSpPr/>
+        <p:nvPr/>
+      </p:nvGrpSpPr>
+      <p:grpSpPr>
+        <a:xfrm>
+          <a:off x="0" y="0"/>
+          <a:ext cx="0" cy="0"/>
+          <a:chOff x="0" y="0"/>
+          <a:chExt cx="0" cy="0"/>
+        </a:xfrm>
+      </p:grpSpPr>
+      <p:sp>
+        <p:nvSpPr>
+          <p:cNvPr id="6" name="Rounded Rectangle 5"/>
+          <p:cNvSpPr/>
+          <p:nvPr/>
+        </p:nvSpPr>
+        <p:spPr>
+          <a:xfrm>
+            <a:off x="581025" y="685800"/>
+            <a:ext cx="1865376" cy="428625"/>
+          </a:xfrm>
+          <a:prstGeom prst="roundRect">
+            <a:avLst/>
+          </a:prstGeom>
+        </p:spPr>
+        <p:style>
+          <a:lnRef idx="1">
+            <a:schemeClr val="accent5"/>
+          </a:lnRef>
+          <a:fillRef idx="3">
+            <a:schemeClr val="accent5"/>
+          </a:fillRef>
+          <a:effectRef idx="2">
+            <a:schemeClr val="accent5"/>
+          </a:effectRef>
+          <a:fontRef idx="minor">
+            <a:schemeClr val="lt1"/>
+          </a:fontRef>
+        </p:style>
+        <p:txBody>
+          <a:bodyPr rtlCol="0" anchor="ctr"/>
+          <a:lstStyle/>
+          <a:p>
+            <a:pPr algn="ctr"/>
+            <a:r>
+              <a:rPr lang="en-US" smtClean="0"/>
+              <a:t>App</a:t>
+            </a:r>
+            <a:endParaRPr lang="en-US"/>
+          </a:p>
+        </p:txBody>
+      </p:sp>
+      <p:sp>
+        <p:nvSpPr>
+          <p:cNvPr id="7" name="Rounded Rectangle 6"/>
+          <p:cNvSpPr/>
+          <p:nvPr/>
+        </p:nvSpPr>
+        <p:spPr>
+          <a:xfrm>
+            <a:off x="1542288" y="3686855"/>
+            <a:ext cx="1865376" cy="428625"/>
+          </a:xfrm>
+          <a:prstGeom prst="roundRect">
+            <a:avLst/>
+          </a:prstGeom>
+        </p:spPr>
+        <p:style>
+          <a:lnRef idx="3">
+            <a:schemeClr val="lt1"/>
+          </a:lnRef>
+          <a:fillRef idx="1">
+            <a:schemeClr val="accent3"/>
+          </a:fillRef>
+          <a:effectRef idx="1">
+            <a:schemeClr val="accent3"/>
+          </a:effectRef>
+          <a:fontRef idx="minor">
+            <a:schemeClr val="lt1"/>
+          </a:fontRef>
+        </p:style>
+        <p:txBody>
+          <a:bodyPr rtlCol="0" anchor="ctr"/>
+          <a:lstStyle/>
+          <a:p>
+            <a:pPr algn="ctr"/>
+            <a:r>
+              <a:rPr lang="en-US" smtClean="0"/>
+              <a:t>CreateEvent</a:t>
+            </a:r>
+            <a:endParaRPr lang="en-US"/>
+          </a:p>
+        </p:txBody>
+      </p:sp>
+      <p:sp>
+        <p:nvSpPr>
+          <p:cNvPr id="8" name="Rounded Rectangle 7"/>
+          <p:cNvSpPr/>
+          <p:nvPr/>
+        </p:nvSpPr>
+        <p:spPr>
+          <a:xfrm>
+            <a:off x="1064514" y="1890032"/>
+            <a:ext cx="1866900" cy="428625"/>
+          </a:xfrm>
+          <a:prstGeom prst="roundRect">
+            <a:avLst/>
+          </a:prstGeom>
+        </p:spPr>
+        <p:style>
+          <a:lnRef idx="3">
+            <a:schemeClr val="lt1"/>
+          </a:lnRef>
+          <a:fillRef idx="1">
+            <a:schemeClr val="accent3"/>
+          </a:fillRef>
+          <a:effectRef idx="1">
+            <a:schemeClr val="accent3"/>
+          </a:effectRef>
+          <a:fontRef idx="minor">
+            <a:schemeClr val="lt1"/>
+          </a:fontRef>
+        </p:style>
+        <p:txBody>
+          <a:bodyPr rtlCol="0" anchor="ctr"/>
+          <a:lstStyle/>
+          <a:p>
+            <a:pPr algn="ctr"/>
+            <a:r>
+              <a:rPr lang="en-US" smtClean="0"/>
+              <a:t>EventsController</a:t>
+            </a:r>
+            <a:endParaRPr lang="en-US"/>
+          </a:p>
+        </p:txBody>
+      </p:sp>
+      <p:sp>
+        <p:nvSpPr>
+          <p:cNvPr id="9" name="Rounded Rectangle 8"/>
+          <p:cNvSpPr/>
+          <p:nvPr/>
+        </p:nvSpPr>
+        <p:spPr>
+          <a:xfrm>
+            <a:off x="1893951" y="3094264"/>
+            <a:ext cx="1866900" cy="428625"/>
+          </a:xfrm>
+          <a:prstGeom prst="roundRect">
+            <a:avLst/>
+          </a:prstGeom>
+        </p:spPr>
+        <p:style>
+          <a:lnRef idx="3">
+            <a:schemeClr val="lt1"/>
+          </a:lnRef>
+          <a:fillRef idx="1">
+            <a:schemeClr val="accent3"/>
+          </a:fillRef>
+          <a:effectRef idx="1">
+            <a:schemeClr val="accent3"/>
+          </a:effectRef>
+          <a:fontRef idx="minor">
+            <a:schemeClr val="lt1"/>
+          </a:fontRef>
+        </p:style>
+        <p:txBody>
+          <a:bodyPr rtlCol="0" anchor="ctr"/>
+          <a:lstStyle/>
+          <a:p>
+            <a:pPr algn="ctr"/>
+            <a:r>
+              <a:rPr lang="en-US" smtClean="0"/>
+              <a:t>EventCards</a:t>
+            </a:r>
+            <a:endParaRPr lang="en-US"/>
+          </a:p>
+        </p:txBody>
+      </p:sp>
+      <p:sp>
+        <p:nvSpPr>
+          <p:cNvPr id="10" name="Rounded Rectangle 9"/>
+          <p:cNvSpPr/>
+          <p:nvPr/>
+        </p:nvSpPr>
+        <p:spPr>
+          <a:xfrm>
+            <a:off x="1540764" y="4900613"/>
+            <a:ext cx="1866900" cy="428625"/>
+          </a:xfrm>
+          <a:prstGeom prst="roundRect">
+            <a:avLst/>
+          </a:prstGeom>
+        </p:spPr>
+        <p:style>
+          <a:lnRef idx="3">
+            <a:schemeClr val="lt1"/>
+          </a:lnRef>
+          <a:fillRef idx="1">
+            <a:schemeClr val="accent3"/>
+          </a:fillRef>
+          <a:effectRef idx="1">
+            <a:schemeClr val="accent3"/>
+          </a:effectRef>
+          <a:fontRef idx="minor">
+            <a:schemeClr val="lt1"/>
+          </a:fontRef>
+        </p:style>
+        <p:txBody>
+          <a:bodyPr rtlCol="0" anchor="ctr"/>
+          <a:lstStyle/>
+          <a:p>
+            <a:pPr algn="ctr"/>
+            <a:r>
+              <a:rPr lang="en-US" smtClean="0"/>
+              <a:t>EventDetails</a:t>
+            </a:r>
+            <a:endParaRPr lang="en-US"/>
+          </a:p>
+        </p:txBody>
+      </p:sp>
+      <p:sp>
+        <p:nvSpPr>
+          <p:cNvPr id="11" name="Rounded Rectangle 10"/>
+          <p:cNvSpPr/>
+          <p:nvPr/>
+        </p:nvSpPr>
+        <p:spPr>
+          <a:xfrm>
+            <a:off x="1512951" y="2492148"/>
+            <a:ext cx="1866900" cy="428625"/>
+          </a:xfrm>
+          <a:prstGeom prst="roundRect">
+            <a:avLst/>
+          </a:prstGeom>
+        </p:spPr>
+        <p:style>
+          <a:lnRef idx="3">
+            <a:schemeClr val="lt1"/>
+          </a:lnRef>
+          <a:fillRef idx="1">
+            <a:schemeClr val="accent3"/>
+          </a:fillRef>
+          <a:effectRef idx="1">
+            <a:schemeClr val="accent3"/>
+          </a:effectRef>
+          <a:fontRef idx="minor">
+            <a:schemeClr val="lt1"/>
+          </a:fontRef>
+        </p:style>
+        <p:txBody>
+          <a:bodyPr rtlCol="0" anchor="ctr"/>
+          <a:lstStyle/>
+          <a:p>
+            <a:pPr algn="ctr"/>
+            <a:r>
+              <a:rPr lang="en-US" smtClean="0"/>
+              <a:t>Home</a:t>
+            </a:r>
+            <a:endParaRPr lang="en-US"/>
+          </a:p>
+        </p:txBody>
+      </p:sp>
+      <p:sp>
+        <p:nvSpPr>
+          <p:cNvPr id="12" name="Rounded Rectangle 11"/>
+          <p:cNvSpPr/>
+          <p:nvPr/>
+        </p:nvSpPr>
+        <p:spPr>
+          <a:xfrm>
+            <a:off x="1064514" y="1287916"/>
+            <a:ext cx="1866900" cy="428625"/>
+          </a:xfrm>
+          <a:prstGeom prst="roundRect">
+            <a:avLst/>
+          </a:prstGeom>
+        </p:spPr>
+        <p:style>
+          <a:lnRef idx="3">
+            <a:schemeClr val="lt1"/>
+          </a:lnRef>
+          <a:fillRef idx="1">
+            <a:schemeClr val="accent3"/>
+          </a:fillRef>
+          <a:effectRef idx="1">
+            <a:schemeClr val="accent3"/>
+          </a:effectRef>
+          <a:fontRef idx="minor">
+            <a:schemeClr val="lt1"/>
+          </a:fontRef>
+        </p:style>
+        <p:txBody>
+          <a:bodyPr rtlCol="0" anchor="ctr"/>
+          <a:lstStyle/>
+          <a:p>
+            <a:pPr algn="ctr"/>
+            <a:r>
+              <a:rPr lang="en-US" smtClean="0"/>
+              <a:t>Login</a:t>
+            </a:r>
+            <a:endParaRPr lang="en-US"/>
+          </a:p>
+        </p:txBody>
+      </p:sp>
+      <p:sp>
+        <p:nvSpPr>
+          <p:cNvPr id="13" name="Rounded Rectangle 12"/>
+          <p:cNvSpPr/>
+          <p:nvPr/>
+        </p:nvSpPr>
+        <p:spPr>
+          <a:xfrm>
+            <a:off x="1540764" y="4298496"/>
+            <a:ext cx="1866900" cy="428625"/>
+          </a:xfrm>
+          <a:prstGeom prst="roundRect">
+            <a:avLst/>
+          </a:prstGeom>
+        </p:spPr>
+        <p:style>
+          <a:lnRef idx="1">
+            <a:schemeClr val="accent2"/>
+          </a:lnRef>
+          <a:fillRef idx="3">
+            <a:schemeClr val="accent2"/>
+          </a:fillRef>
+          <a:effectRef idx="2">
+            <a:schemeClr val="accent2"/>
+          </a:effectRef>
+          <a:fontRef idx="minor">
+            <a:schemeClr val="lt1"/>
+          </a:fontRef>
+        </p:style>
+        <p:txBody>
+          <a:bodyPr rtlCol="0" anchor="ctr"/>
+          <a:lstStyle/>
+          <a:p>
+            <a:pPr algn="ctr"/>
+            <a:r>
+              <a:rPr lang="en-US" smtClean="0"/>
+              <a:t>MyEvents</a:t>
+            </a:r>
+            <a:endParaRPr lang="en-US"/>
+          </a:p>
+        </p:txBody>
+      </p:sp>
+      <p:sp>
+        <p:nvSpPr>
+          <p:cNvPr id="22" name="TextBox 21"/>
+          <p:cNvSpPr txBox="1"/>
+          <p:nvPr/>
+        </p:nvSpPr>
+        <p:spPr>
+          <a:xfrm>
+            <a:off x="685800" y="200025"/>
+            <a:ext cx="1117037" cy="369332"/>
+          </a:xfrm>
+          <a:prstGeom prst="rect">
+            <a:avLst/>
+          </a:prstGeom>
+          <a:noFill/>
+        </p:spPr>
+        <p:txBody>
+          <a:bodyPr wrap="none" rtlCol="0">
+            <a:spAutoFit/>
+          </a:bodyPr>
+          <a:lstStyle/>
+          <a:p>
+            <a:r>
+              <a:rPr lang="en-US" b="1" smtClean="0"/>
+              <a:t>MyEvents</a:t>
+            </a:r>
+            <a:endParaRPr lang="en-US" b="1"/>
+          </a:p>
+        </p:txBody>
+      </p:sp>
+      <p:sp>
+        <p:nvSpPr>
+          <p:cNvPr id="14" name="Rounded Rectangle 13"/>
+          <p:cNvSpPr/>
+          <p:nvPr/>
+        </p:nvSpPr>
+        <p:spPr>
+          <a:xfrm>
+            <a:off x="9619679" y="426482"/>
+            <a:ext cx="2296096" cy="428625"/>
+          </a:xfrm>
+          <a:prstGeom prst="roundRect">
+            <a:avLst/>
+          </a:prstGeom>
+        </p:spPr>
+        <p:style>
+          <a:lnRef idx="1">
+            <a:schemeClr val="accent6"/>
+          </a:lnRef>
+          <a:fillRef idx="3">
+            <a:schemeClr val="accent6"/>
+          </a:fillRef>
+          <a:effectRef idx="2">
+            <a:schemeClr val="accent6"/>
+          </a:effectRef>
+          <a:fontRef idx="minor">
+            <a:schemeClr val="lt1"/>
+          </a:fontRef>
+        </p:style>
+        <p:txBody>
+          <a:bodyPr rtlCol="0" anchor="ctr"/>
+          <a:lstStyle/>
+          <a:p>
+            <a:pPr algn="ctr"/>
+            <a:r>
+              <a:rPr lang="en-US" sz="1400" smtClean="0"/>
+              <a:t>Loaded by App</a:t>
+            </a:r>
+            <a:endParaRPr lang="en-US" sz="1400"/>
+          </a:p>
+        </p:txBody>
+      </p:sp>
+      <p:sp>
+        <p:nvSpPr>
+          <p:cNvPr id="15" name="Rounded Rectangle 14"/>
+          <p:cNvSpPr/>
+          <p:nvPr/>
+        </p:nvSpPr>
+        <p:spPr>
+          <a:xfrm>
+            <a:off x="9619679" y="1019074"/>
+            <a:ext cx="2296096" cy="428625"/>
+          </a:xfrm>
+          <a:prstGeom prst="roundRect">
+            <a:avLst/>
+          </a:prstGeom>
+        </p:spPr>
+        <p:style>
+          <a:lnRef idx="1">
+            <a:schemeClr val="accent2"/>
+          </a:lnRef>
+          <a:fillRef idx="3">
+            <a:schemeClr val="accent2"/>
+          </a:fillRef>
+          <a:effectRef idx="2">
+            <a:schemeClr val="accent2"/>
+          </a:effectRef>
+          <a:fontRef idx="minor">
+            <a:schemeClr val="lt1"/>
+          </a:fontRef>
+        </p:style>
+        <p:txBody>
+          <a:bodyPr rtlCol="0" anchor="ctr"/>
+          <a:lstStyle/>
+          <a:p>
+            <a:pPr algn="ctr"/>
+            <a:r>
+              <a:rPr lang="en-US" sz="1400" smtClean="0"/>
+              <a:t>Loaded by EventsController</a:t>
+            </a:r>
+            <a:endParaRPr lang="en-US" sz="1400"/>
+          </a:p>
+        </p:txBody>
+      </p:sp>
+      <p:sp>
+        <p:nvSpPr>
+          <p:cNvPr id="16" name="Rounded Rectangle 15"/>
+          <p:cNvSpPr/>
+          <p:nvPr/>
+        </p:nvSpPr>
+        <p:spPr>
+          <a:xfrm>
+            <a:off x="9619679" y="1671537"/>
+            <a:ext cx="2296096" cy="428625"/>
+          </a:xfrm>
+          <a:prstGeom prst="roundRect">
+            <a:avLst/>
+          </a:prstGeom>
+        </p:spPr>
+        <p:style>
+          <a:lnRef idx="1">
+            <a:schemeClr val="accent1"/>
+          </a:lnRef>
+          <a:fillRef idx="3">
+            <a:schemeClr val="accent1"/>
+          </a:fillRef>
+          <a:effectRef idx="2">
+            <a:schemeClr val="accent1"/>
+          </a:effectRef>
+          <a:fontRef idx="minor">
+            <a:schemeClr val="lt1"/>
+          </a:fontRef>
+        </p:style>
+        <p:txBody>
+          <a:bodyPr rtlCol="0" anchor="ctr"/>
+          <a:lstStyle/>
+          <a:p>
+            <a:pPr algn="ctr"/>
+            <a:r>
+              <a:rPr lang="en-US" sz="1400" smtClean="0"/>
+              <a:t>Loaded by Home</a:t>
+            </a:r>
+            <a:endParaRPr lang="en-US" sz="1400"/>
+          </a:p>
+        </p:txBody>
+      </p:sp>
+      <p:sp>
+        <p:nvSpPr>
+          <p:cNvPr id="17" name="Rounded Rectangle 16"/>
+          <p:cNvSpPr/>
+          <p:nvPr/>
+        </p:nvSpPr>
+        <p:spPr>
+          <a:xfrm>
+            <a:off x="9619679" y="2300187"/>
+            <a:ext cx="2296096" cy="428625"/>
+          </a:xfrm>
+          <a:prstGeom prst="roundRect">
+            <a:avLst/>
+          </a:prstGeom>
+        </p:spPr>
+        <p:style>
+          <a:lnRef idx="3">
+            <a:schemeClr val="lt1"/>
+          </a:lnRef>
+          <a:fillRef idx="1">
+            <a:schemeClr val="accent3"/>
+          </a:fillRef>
+          <a:effectRef idx="1">
+            <a:schemeClr val="accent3"/>
+          </a:effectRef>
+          <a:fontRef idx="minor">
+            <a:schemeClr val="lt1"/>
+          </a:fontRef>
+        </p:style>
+        <p:txBody>
+          <a:bodyPr rtlCol="0" anchor="ctr"/>
+          <a:lstStyle/>
+          <a:p>
+            <a:pPr algn="ctr"/>
+            <a:r>
+              <a:rPr lang="en-US" sz="1400" smtClean="0"/>
+              <a:t>Not loaded</a:t>
+            </a:r>
+            <a:endParaRPr lang="en-US" sz="1400"/>
+          </a:p>
+        </p:txBody>
+      </p:sp>
+    </p:spTree>
+    <p:extLst>
+      <p:ext uri="{BB962C8B-B14F-4D97-AF65-F5344CB8AC3E}">
+        <p14:creationId xmlns:p14="http://schemas.microsoft.com/office/powerpoint/2010/main" val="2004427412"/>
+      </p:ext>
+    </p:extLst>
+  </p:cSld>
+  <p:clrMapOvr>
+    <a:masterClrMapping/>
+  </p:clrMapOvr>
+  <p:timing>
+    <p:tnLst>
+      <p:par>
+        <p:cTn id="1" dur="indefinite" restart="never" nodeType="tmRoot"/>
+      </p:par>
+    </p:tnLst>
+  </p:timing>
+</p:sld>
+</file>
+
+<file path=ppt/slides/slide6.xml><?xml version="1.0" encoding="utf-8"?>
+<p:sld xmlns:a="http://schemas.openxmlformats.org/drawingml/2006/main" xmlns:r="http://schemas.openxmlformats.org/officeDocument/2006/relationships" xmlns:p="http://schemas.openxmlformats.org/presentationml/2006/main">
+  <p:cSld>
+    <p:spTree>
+      <p:nvGrpSpPr>
+        <p:cNvPr id="1" name=""/>
+        <p:cNvGrpSpPr/>
+        <p:nvPr/>
+      </p:nvGrpSpPr>
+      <p:grpSpPr>
+        <a:xfrm>
+          <a:off x="0" y="0"/>
+          <a:ext cx="0" cy="0"/>
+          <a:chOff x="0" y="0"/>
+          <a:chExt cx="0" cy="0"/>
+        </a:xfrm>
+      </p:grpSpPr>
+      <p:sp>
+        <p:nvSpPr>
+          <p:cNvPr id="6" name="Rounded Rectangle 5"/>
+          <p:cNvSpPr/>
+          <p:nvPr/>
+        </p:nvSpPr>
+        <p:spPr>
+          <a:xfrm>
+            <a:off x="581025" y="685800"/>
+            <a:ext cx="1865376" cy="428625"/>
+          </a:xfrm>
+          <a:prstGeom prst="roundRect">
+            <a:avLst/>
+          </a:prstGeom>
+        </p:spPr>
+        <p:style>
+          <a:lnRef idx="1">
+            <a:schemeClr val="accent5"/>
+          </a:lnRef>
+          <a:fillRef idx="3">
+            <a:schemeClr val="accent5"/>
+          </a:fillRef>
+          <a:effectRef idx="2">
+            <a:schemeClr val="accent5"/>
+          </a:effectRef>
+          <a:fontRef idx="minor">
+            <a:schemeClr val="lt1"/>
+          </a:fontRef>
+        </p:style>
+        <p:txBody>
+          <a:bodyPr rtlCol="0" anchor="ctr"/>
+          <a:lstStyle/>
+          <a:p>
+            <a:pPr algn="ctr"/>
+            <a:r>
+              <a:rPr lang="en-US" smtClean="0"/>
+              <a:t>App</a:t>
+            </a:r>
+            <a:endParaRPr lang="en-US"/>
+          </a:p>
+        </p:txBody>
+      </p:sp>
+      <p:sp>
+        <p:nvSpPr>
+          <p:cNvPr id="7" name="Rounded Rectangle 6"/>
+          <p:cNvSpPr/>
+          <p:nvPr/>
+        </p:nvSpPr>
+        <p:spPr>
+          <a:xfrm>
+            <a:off x="1542288" y="3686855"/>
+            <a:ext cx="1865376" cy="428625"/>
+          </a:xfrm>
+          <a:prstGeom prst="roundRect">
+            <a:avLst/>
+          </a:prstGeom>
+        </p:spPr>
+        <p:style>
+          <a:lnRef idx="3">
+            <a:schemeClr val="lt1"/>
+          </a:lnRef>
+          <a:fillRef idx="1">
+            <a:schemeClr val="accent3"/>
+          </a:fillRef>
+          <a:effectRef idx="1">
+            <a:schemeClr val="accent3"/>
+          </a:effectRef>
+          <a:fontRef idx="minor">
+            <a:schemeClr val="lt1"/>
+          </a:fontRef>
+        </p:style>
+        <p:txBody>
+          <a:bodyPr rtlCol="0" anchor="ctr"/>
+          <a:lstStyle/>
+          <a:p>
+            <a:pPr algn="ctr"/>
+            <a:r>
+              <a:rPr lang="en-US" smtClean="0"/>
+              <a:t>CreateEvent</a:t>
+            </a:r>
+            <a:endParaRPr lang="en-US"/>
+          </a:p>
+        </p:txBody>
+      </p:sp>
+      <p:sp>
+        <p:nvSpPr>
+          <p:cNvPr id="8" name="Rounded Rectangle 7"/>
+          <p:cNvSpPr/>
+          <p:nvPr/>
+        </p:nvSpPr>
+        <p:spPr>
+          <a:xfrm>
+            <a:off x="1064514" y="1890032"/>
+            <a:ext cx="1866900" cy="428625"/>
+          </a:xfrm>
+          <a:prstGeom prst="roundRect">
+            <a:avLst/>
+          </a:prstGeom>
+        </p:spPr>
+        <p:style>
+          <a:lnRef idx="1">
+            <a:schemeClr val="accent6"/>
+          </a:lnRef>
+          <a:fillRef idx="3">
+            <a:schemeClr val="accent6"/>
+          </a:fillRef>
+          <a:effectRef idx="2">
+            <a:schemeClr val="accent6"/>
+          </a:effectRef>
+          <a:fontRef idx="minor">
+            <a:schemeClr val="lt1"/>
+          </a:fontRef>
+        </p:style>
+        <p:txBody>
+          <a:bodyPr rtlCol="0" anchor="ctr"/>
+          <a:lstStyle/>
+          <a:p>
+            <a:pPr algn="ctr"/>
+            <a:r>
+              <a:rPr lang="en-US" smtClean="0"/>
+              <a:t>EventsController</a:t>
+            </a:r>
+            <a:endParaRPr lang="en-US"/>
+          </a:p>
+        </p:txBody>
+      </p:sp>
+      <p:sp>
+        <p:nvSpPr>
+          <p:cNvPr id="9" name="Rounded Rectangle 8"/>
+          <p:cNvSpPr/>
+          <p:nvPr/>
+        </p:nvSpPr>
+        <p:spPr>
+          <a:xfrm>
+            <a:off x="1893951" y="3094264"/>
+            <a:ext cx="1866900" cy="428625"/>
+          </a:xfrm>
+          <a:prstGeom prst="roundRect">
+            <a:avLst/>
+          </a:prstGeom>
+        </p:spPr>
+        <p:style>
+          <a:lnRef idx="3">
+            <a:schemeClr val="lt1"/>
+          </a:lnRef>
+          <a:fillRef idx="1">
+            <a:schemeClr val="accent3"/>
+          </a:fillRef>
+          <a:effectRef idx="1">
+            <a:schemeClr val="accent3"/>
+          </a:effectRef>
+          <a:fontRef idx="minor">
+            <a:schemeClr val="lt1"/>
+          </a:fontRef>
+        </p:style>
+        <p:txBody>
+          <a:bodyPr rtlCol="0" anchor="ctr"/>
+          <a:lstStyle/>
+          <a:p>
+            <a:pPr algn="ctr"/>
+            <a:r>
+              <a:rPr lang="en-US" smtClean="0"/>
+              <a:t>EventCards</a:t>
+            </a:r>
+            <a:endParaRPr lang="en-US"/>
+          </a:p>
+        </p:txBody>
+      </p:sp>
+      <p:sp>
+        <p:nvSpPr>
+          <p:cNvPr id="10" name="Rounded Rectangle 9"/>
+          <p:cNvSpPr/>
+          <p:nvPr/>
+        </p:nvSpPr>
+        <p:spPr>
+          <a:xfrm>
+            <a:off x="1540764" y="4900613"/>
+            <a:ext cx="1866900" cy="428625"/>
+          </a:xfrm>
+          <a:prstGeom prst="roundRect">
+            <a:avLst/>
+          </a:prstGeom>
+        </p:spPr>
+        <p:style>
+          <a:lnRef idx="1">
+            <a:schemeClr val="accent2"/>
+          </a:lnRef>
+          <a:fillRef idx="3">
+            <a:schemeClr val="accent2"/>
+          </a:fillRef>
+          <a:effectRef idx="2">
+            <a:schemeClr val="accent2"/>
+          </a:effectRef>
+          <a:fontRef idx="minor">
+            <a:schemeClr val="lt1"/>
+          </a:fontRef>
+        </p:style>
+        <p:txBody>
+          <a:bodyPr rtlCol="0" anchor="ctr"/>
+          <a:lstStyle/>
+          <a:p>
+            <a:pPr algn="ctr"/>
+            <a:r>
+              <a:rPr lang="en-US" smtClean="0"/>
+              <a:t>EventDetails</a:t>
+            </a:r>
+            <a:endParaRPr lang="en-US"/>
+          </a:p>
+        </p:txBody>
+      </p:sp>
+      <p:sp>
+        <p:nvSpPr>
+          <p:cNvPr id="11" name="Rounded Rectangle 10"/>
+          <p:cNvSpPr/>
+          <p:nvPr/>
+        </p:nvSpPr>
+        <p:spPr>
+          <a:xfrm>
+            <a:off x="1512951" y="2492148"/>
+            <a:ext cx="1866900" cy="428625"/>
+          </a:xfrm>
+          <a:prstGeom prst="roundRect">
+            <a:avLst/>
+          </a:prstGeom>
+        </p:spPr>
+        <p:style>
+          <a:lnRef idx="3">
+            <a:schemeClr val="lt1"/>
+          </a:lnRef>
+          <a:fillRef idx="1">
+            <a:schemeClr val="accent3"/>
+          </a:fillRef>
+          <a:effectRef idx="1">
+            <a:schemeClr val="accent3"/>
+          </a:effectRef>
+          <a:fontRef idx="minor">
+            <a:schemeClr val="lt1"/>
+          </a:fontRef>
+        </p:style>
+        <p:txBody>
+          <a:bodyPr rtlCol="0" anchor="ctr"/>
+          <a:lstStyle/>
+          <a:p>
+            <a:pPr algn="ctr"/>
+            <a:r>
+              <a:rPr lang="en-US" smtClean="0"/>
+              <a:t>Home</a:t>
+            </a:r>
+            <a:endParaRPr lang="en-US"/>
+          </a:p>
+        </p:txBody>
+      </p:sp>
+      <p:sp>
+        <p:nvSpPr>
+          <p:cNvPr id="12" name="Rounded Rectangle 11"/>
+          <p:cNvSpPr/>
+          <p:nvPr/>
+        </p:nvSpPr>
+        <p:spPr>
+          <a:xfrm>
+            <a:off x="1064514" y="1287916"/>
+            <a:ext cx="1866900" cy="428625"/>
+          </a:xfrm>
+          <a:prstGeom prst="roundRect">
+            <a:avLst/>
+          </a:prstGeom>
+        </p:spPr>
+        <p:style>
+          <a:lnRef idx="3">
+            <a:schemeClr val="lt1"/>
+          </a:lnRef>
+          <a:fillRef idx="1">
+            <a:schemeClr val="accent3"/>
+          </a:fillRef>
+          <a:effectRef idx="1">
+            <a:schemeClr val="accent3"/>
+          </a:effectRef>
+          <a:fontRef idx="minor">
+            <a:schemeClr val="lt1"/>
+          </a:fontRef>
+        </p:style>
+        <p:txBody>
+          <a:bodyPr rtlCol="0" anchor="ctr"/>
+          <a:lstStyle/>
+          <a:p>
+            <a:pPr algn="ctr"/>
+            <a:r>
+              <a:rPr lang="en-US" smtClean="0"/>
+              <a:t>Login</a:t>
+            </a:r>
+            <a:endParaRPr lang="en-US"/>
+          </a:p>
+        </p:txBody>
+      </p:sp>
+      <p:sp>
+        <p:nvSpPr>
+          <p:cNvPr id="13" name="Rounded Rectangle 12"/>
+          <p:cNvSpPr/>
+          <p:nvPr/>
+        </p:nvSpPr>
+        <p:spPr>
+          <a:xfrm>
+            <a:off x="1540764" y="4298496"/>
+            <a:ext cx="1866900" cy="428625"/>
+          </a:xfrm>
+          <a:prstGeom prst="roundRect">
+            <a:avLst/>
+          </a:prstGeom>
+        </p:spPr>
+        <p:style>
+          <a:lnRef idx="3">
+            <a:schemeClr val="lt1"/>
+          </a:lnRef>
+          <a:fillRef idx="1">
+            <a:schemeClr val="accent3"/>
+          </a:fillRef>
+          <a:effectRef idx="1">
+            <a:schemeClr val="accent3"/>
+          </a:effectRef>
+          <a:fontRef idx="minor">
+            <a:schemeClr val="lt1"/>
+          </a:fontRef>
+        </p:style>
+        <p:txBody>
+          <a:bodyPr rtlCol="0" anchor="ctr"/>
+          <a:lstStyle/>
+          <a:p>
+            <a:pPr algn="ctr"/>
+            <a:r>
+              <a:rPr lang="en-US" smtClean="0"/>
+              <a:t>MyEvents</a:t>
+            </a:r>
+            <a:endParaRPr lang="en-US"/>
+          </a:p>
+        </p:txBody>
+      </p:sp>
+      <p:sp>
+        <p:nvSpPr>
+          <p:cNvPr id="22" name="TextBox 21"/>
+          <p:cNvSpPr txBox="1"/>
+          <p:nvPr/>
+        </p:nvSpPr>
+        <p:spPr>
+          <a:xfrm>
+            <a:off x="685800" y="200025"/>
+            <a:ext cx="1369670" cy="369332"/>
+          </a:xfrm>
+          <a:prstGeom prst="rect">
+            <a:avLst/>
+          </a:prstGeom>
+          <a:noFill/>
+        </p:spPr>
+        <p:txBody>
+          <a:bodyPr wrap="none" rtlCol="0">
+            <a:spAutoFit/>
+          </a:bodyPr>
+          <a:lstStyle/>
+          <a:p>
+            <a:r>
+              <a:rPr lang="en-US" b="1" smtClean="0"/>
+              <a:t>EventDetails</a:t>
+            </a:r>
+            <a:endParaRPr lang="en-US" b="1"/>
+          </a:p>
+        </p:txBody>
+      </p:sp>
+      <p:sp>
+        <p:nvSpPr>
+          <p:cNvPr id="14" name="Rounded Rectangle 13"/>
+          <p:cNvSpPr/>
+          <p:nvPr/>
+        </p:nvSpPr>
+        <p:spPr>
+          <a:xfrm>
+            <a:off x="9619679" y="426482"/>
+            <a:ext cx="2296096" cy="428625"/>
+          </a:xfrm>
+          <a:prstGeom prst="roundRect">
+            <a:avLst/>
+          </a:prstGeom>
+        </p:spPr>
+        <p:style>
+          <a:lnRef idx="1">
+            <a:schemeClr val="accent6"/>
+          </a:lnRef>
+          <a:fillRef idx="3">
+            <a:schemeClr val="accent6"/>
+          </a:fillRef>
+          <a:effectRef idx="2">
+            <a:schemeClr val="accent6"/>
+          </a:effectRef>
+          <a:fontRef idx="minor">
+            <a:schemeClr val="lt1"/>
+          </a:fontRef>
+        </p:style>
+        <p:txBody>
+          <a:bodyPr rtlCol="0" anchor="ctr"/>
+          <a:lstStyle/>
+          <a:p>
+            <a:pPr algn="ctr"/>
+            <a:r>
+              <a:rPr lang="en-US" sz="1400" smtClean="0"/>
+              <a:t>Loaded by App</a:t>
+            </a:r>
+            <a:endParaRPr lang="en-US" sz="1400"/>
+          </a:p>
+        </p:txBody>
+      </p:sp>
+      <p:sp>
+        <p:nvSpPr>
+          <p:cNvPr id="15" name="Rounded Rectangle 14"/>
+          <p:cNvSpPr/>
+          <p:nvPr/>
+        </p:nvSpPr>
+        <p:spPr>
+          <a:xfrm>
+            <a:off x="9619679" y="1019074"/>
+            <a:ext cx="2296096" cy="428625"/>
+          </a:xfrm>
+          <a:prstGeom prst="roundRect">
+            <a:avLst/>
+          </a:prstGeom>
+        </p:spPr>
+        <p:style>
+          <a:lnRef idx="1">
+            <a:schemeClr val="accent2"/>
+          </a:lnRef>
+          <a:fillRef idx="3">
+            <a:schemeClr val="accent2"/>
+          </a:fillRef>
+          <a:effectRef idx="2">
+            <a:schemeClr val="accent2"/>
+          </a:effectRef>
+          <a:fontRef idx="minor">
+            <a:schemeClr val="lt1"/>
+          </a:fontRef>
+        </p:style>
+        <p:txBody>
+          <a:bodyPr rtlCol="0" anchor="ctr"/>
+          <a:lstStyle/>
+          <a:p>
+            <a:pPr algn="ctr"/>
+            <a:r>
+              <a:rPr lang="en-US" sz="1400" smtClean="0"/>
+              <a:t>Loaded by EventsController</a:t>
+            </a:r>
+            <a:endParaRPr lang="en-US" sz="1400"/>
+          </a:p>
+        </p:txBody>
+      </p:sp>
+      <p:sp>
+        <p:nvSpPr>
+          <p:cNvPr id="16" name="Rounded Rectangle 15"/>
+          <p:cNvSpPr/>
+          <p:nvPr/>
+        </p:nvSpPr>
+        <p:spPr>
+          <a:xfrm>
+            <a:off x="9619679" y="1671537"/>
+            <a:ext cx="2296096" cy="428625"/>
+          </a:xfrm>
+          <a:prstGeom prst="roundRect">
+            <a:avLst/>
+          </a:prstGeom>
+        </p:spPr>
+        <p:style>
+          <a:lnRef idx="1">
+            <a:schemeClr val="accent1"/>
+          </a:lnRef>
+          <a:fillRef idx="3">
+            <a:schemeClr val="accent1"/>
+          </a:fillRef>
+          <a:effectRef idx="2">
+            <a:schemeClr val="accent1"/>
+          </a:effectRef>
+          <a:fontRef idx="minor">
+            <a:schemeClr val="lt1"/>
+          </a:fontRef>
+        </p:style>
+        <p:txBody>
+          <a:bodyPr rtlCol="0" anchor="ctr"/>
+          <a:lstStyle/>
+          <a:p>
+            <a:pPr algn="ctr"/>
+            <a:r>
+              <a:rPr lang="en-US" sz="1400" smtClean="0"/>
+              <a:t>Loaded by Home</a:t>
+            </a:r>
+            <a:endParaRPr lang="en-US" sz="1400"/>
+          </a:p>
+        </p:txBody>
+      </p:sp>
+      <p:sp>
+        <p:nvSpPr>
+          <p:cNvPr id="17" name="Rounded Rectangle 16"/>
+          <p:cNvSpPr/>
+          <p:nvPr/>
+        </p:nvSpPr>
+        <p:spPr>
+          <a:xfrm>
+            <a:off x="9619679" y="2300187"/>
+            <a:ext cx="2296096" cy="428625"/>
+          </a:xfrm>
+          <a:prstGeom prst="roundRect">
+            <a:avLst/>
+          </a:prstGeom>
+        </p:spPr>
+        <p:style>
+          <a:lnRef idx="3">
+            <a:schemeClr val="lt1"/>
+          </a:lnRef>
+          <a:fillRef idx="1">
+            <a:schemeClr val="accent3"/>
+          </a:fillRef>
+          <a:effectRef idx="1">
+            <a:schemeClr val="accent3"/>
+          </a:effectRef>
+          <a:fontRef idx="minor">
+            <a:schemeClr val="lt1"/>
+          </a:fontRef>
+        </p:style>
+        <p:txBody>
+          <a:bodyPr rtlCol="0" anchor="ctr"/>
+          <a:lstStyle/>
+          <a:p>
+            <a:pPr algn="ctr"/>
+            <a:r>
+              <a:rPr lang="en-US" sz="1400" smtClean="0"/>
+              <a:t>Not loaded</a:t>
+            </a:r>
+            <a:endParaRPr lang="en-US" sz="1400"/>
+          </a:p>
+        </p:txBody>
+      </p:sp>
+    </p:spTree>
+    <p:extLst>
+      <p:ext uri="{BB962C8B-B14F-4D97-AF65-F5344CB8AC3E}">
+        <p14:creationId xmlns:p14="http://schemas.microsoft.com/office/powerpoint/2010/main" val="1003183227"/>
+      </p:ext>
+    </p:extLst>
+  </p:cSld>
+  <p:clrMapOvr>
+    <a:masterClrMapping/>
+  </p:clrMapOvr>
+  <p:timing>
+    <p:tnLst>
+      <p:par>
+        <p:cTn id="1" dur="indefinite" restart="never" nodeType="tmRoot"/>
+      </p:par>
+    </p:tnLst>
+  </p:timing>
+</p:sld>
+</file>
+
+<file path=ppt/slides/slide7.xml><?xml version="1.0" encoding="utf-8"?>
+<p:sld xmlns:a="http://schemas.openxmlformats.org/drawingml/2006/main" xmlns:r="http://schemas.openxmlformats.org/officeDocument/2006/relationships" xmlns:p="http://schemas.openxmlformats.org/presentationml/2006/main">
+  <p:cSld>
+    <p:spTree>
+      <p:nvGrpSpPr>
+        <p:cNvPr id="1" name=""/>
+        <p:cNvGrpSpPr/>
+        <p:nvPr/>
+      </p:nvGrpSpPr>
+      <p:grpSpPr>
+        <a:xfrm>
+          <a:off x="0" y="0"/>
+          <a:ext cx="0" cy="0"/>
+          <a:chOff x="0" y="0"/>
+          <a:chExt cx="0" cy="0"/>
+        </a:xfrm>
+      </p:grpSpPr>
+      <p:sp>
+        <p:nvSpPr>
+          <p:cNvPr id="6" name="Rounded Rectangle 5"/>
+          <p:cNvSpPr/>
+          <p:nvPr/>
+        </p:nvSpPr>
+        <p:spPr>
+          <a:xfrm>
+            <a:off x="581025" y="685800"/>
+            <a:ext cx="1865376" cy="428625"/>
+          </a:xfrm>
+          <a:prstGeom prst="roundRect">
+            <a:avLst/>
+          </a:prstGeom>
+        </p:spPr>
+        <p:style>
+          <a:lnRef idx="1">
+            <a:schemeClr val="accent5"/>
+          </a:lnRef>
+          <a:fillRef idx="3">
+            <a:schemeClr val="accent5"/>
+          </a:fillRef>
+          <a:effectRef idx="2">
+            <a:schemeClr val="accent5"/>
+          </a:effectRef>
+          <a:fontRef idx="minor">
+            <a:schemeClr val="lt1"/>
+          </a:fontRef>
+        </p:style>
+        <p:txBody>
+          <a:bodyPr rtlCol="0" anchor="ctr"/>
+          <a:lstStyle/>
+          <a:p>
+            <a:pPr algn="ctr"/>
+            <a:r>
+              <a:rPr lang="en-US" smtClean="0"/>
+              <a:t>App</a:t>
+            </a:r>
+            <a:endParaRPr lang="en-US"/>
+          </a:p>
+        </p:txBody>
+      </p:sp>
+      <p:sp>
+        <p:nvSpPr>
+          <p:cNvPr id="7" name="Rounded Rectangle 6"/>
+          <p:cNvSpPr/>
+          <p:nvPr/>
+        </p:nvSpPr>
+        <p:spPr>
+          <a:xfrm>
+            <a:off x="1542288" y="3686855"/>
+            <a:ext cx="1865376" cy="428625"/>
+          </a:xfrm>
+          <a:prstGeom prst="roundRect">
+            <a:avLst/>
+          </a:prstGeom>
+        </p:spPr>
+        <p:style>
+          <a:lnRef idx="1">
+            <a:schemeClr val="accent2"/>
+          </a:lnRef>
+          <a:fillRef idx="3">
+            <a:schemeClr val="accent2"/>
+          </a:fillRef>
+          <a:effectRef idx="2">
+            <a:schemeClr val="accent2"/>
+          </a:effectRef>
+          <a:fontRef idx="minor">
+            <a:schemeClr val="lt1"/>
+          </a:fontRef>
+        </p:style>
+        <p:txBody>
+          <a:bodyPr rtlCol="0" anchor="ctr"/>
+          <a:lstStyle/>
+          <a:p>
+            <a:pPr algn="ctr"/>
+            <a:r>
+              <a:rPr lang="en-US" smtClean="0"/>
+              <a:t>CreateEvent</a:t>
+            </a:r>
+            <a:endParaRPr lang="en-US"/>
+          </a:p>
+        </p:txBody>
+      </p:sp>
+      <p:sp>
+        <p:nvSpPr>
+          <p:cNvPr id="8" name="Rounded Rectangle 7"/>
+          <p:cNvSpPr/>
+          <p:nvPr/>
+        </p:nvSpPr>
+        <p:spPr>
+          <a:xfrm>
+            <a:off x="1064514" y="1890032"/>
+            <a:ext cx="1866900" cy="428625"/>
+          </a:xfrm>
+          <a:prstGeom prst="roundRect">
+            <a:avLst/>
+          </a:prstGeom>
+        </p:spPr>
+        <p:style>
+          <a:lnRef idx="1">
+            <a:schemeClr val="accent6"/>
+          </a:lnRef>
+          <a:fillRef idx="3">
+            <a:schemeClr val="accent6"/>
+          </a:fillRef>
+          <a:effectRef idx="2">
+            <a:schemeClr val="accent6"/>
+          </a:effectRef>
+          <a:fontRef idx="minor">
+            <a:schemeClr val="lt1"/>
+          </a:fontRef>
+        </p:style>
+        <p:txBody>
+          <a:bodyPr rtlCol="0" anchor="ctr"/>
+          <a:lstStyle/>
+          <a:p>
+            <a:pPr algn="ctr"/>
+            <a:r>
+              <a:rPr lang="en-US" smtClean="0"/>
+              <a:t>EventsController</a:t>
+            </a:r>
+            <a:endParaRPr lang="en-US"/>
+          </a:p>
+        </p:txBody>
+      </p:sp>
+      <p:sp>
+        <p:nvSpPr>
+          <p:cNvPr id="9" name="Rounded Rectangle 8"/>
+          <p:cNvSpPr/>
+          <p:nvPr/>
+        </p:nvSpPr>
+        <p:spPr>
+          <a:xfrm>
+            <a:off x="1893951" y="3094264"/>
+            <a:ext cx="1866900" cy="428625"/>
+          </a:xfrm>
+          <a:prstGeom prst="roundRect">
+            <a:avLst/>
+          </a:prstGeom>
+        </p:spPr>
+        <p:style>
+          <a:lnRef idx="3">
+            <a:schemeClr val="lt1"/>
+          </a:lnRef>
+          <a:fillRef idx="1">
+            <a:schemeClr val="accent3"/>
+          </a:fillRef>
+          <a:effectRef idx="1">
+            <a:schemeClr val="accent3"/>
+          </a:effectRef>
+          <a:fontRef idx="minor">
+            <a:schemeClr val="lt1"/>
+          </a:fontRef>
+        </p:style>
+        <p:txBody>
+          <a:bodyPr rtlCol="0" anchor="ctr"/>
+          <a:lstStyle/>
+          <a:p>
+            <a:pPr algn="ctr"/>
+            <a:r>
+              <a:rPr lang="en-US" smtClean="0"/>
+              <a:t>EventCards</a:t>
+            </a:r>
+            <a:endParaRPr lang="en-US"/>
+          </a:p>
+        </p:txBody>
+      </p:sp>
+      <p:sp>
+        <p:nvSpPr>
+          <p:cNvPr id="10" name="Rounded Rectangle 9"/>
+          <p:cNvSpPr/>
+          <p:nvPr/>
+        </p:nvSpPr>
+        <p:spPr>
+          <a:xfrm>
+            <a:off x="1540764" y="4900613"/>
+            <a:ext cx="1866900" cy="428625"/>
+          </a:xfrm>
+          <a:prstGeom prst="roundRect">
+            <a:avLst/>
+          </a:prstGeom>
+        </p:spPr>
+        <p:style>
+          <a:lnRef idx="3">
+            <a:schemeClr val="lt1"/>
+          </a:lnRef>
+          <a:fillRef idx="1">
+            <a:schemeClr val="accent3"/>
+          </a:fillRef>
+          <a:effectRef idx="1">
+            <a:schemeClr val="accent3"/>
+          </a:effectRef>
+          <a:fontRef idx="minor">
+            <a:schemeClr val="lt1"/>
+          </a:fontRef>
+        </p:style>
+        <p:txBody>
+          <a:bodyPr rtlCol="0" anchor="ctr"/>
+          <a:lstStyle/>
+          <a:p>
+            <a:pPr algn="ctr"/>
+            <a:r>
+              <a:rPr lang="en-US" smtClean="0"/>
+              <a:t>EventDetails</a:t>
+            </a:r>
+            <a:endParaRPr lang="en-US"/>
+          </a:p>
+        </p:txBody>
+      </p:sp>
+      <p:sp>
+        <p:nvSpPr>
+          <p:cNvPr id="11" name="Rounded Rectangle 10"/>
+          <p:cNvSpPr/>
+          <p:nvPr/>
+        </p:nvSpPr>
+        <p:spPr>
+          <a:xfrm>
+            <a:off x="1512951" y="2492148"/>
+            <a:ext cx="1866900" cy="428625"/>
+          </a:xfrm>
+          <a:prstGeom prst="roundRect">
+            <a:avLst/>
+          </a:prstGeom>
+        </p:spPr>
+        <p:style>
+          <a:lnRef idx="3">
+            <a:schemeClr val="lt1"/>
+          </a:lnRef>
+          <a:fillRef idx="1">
+            <a:schemeClr val="accent3"/>
+          </a:fillRef>
+          <a:effectRef idx="1">
+            <a:schemeClr val="accent3"/>
+          </a:effectRef>
+          <a:fontRef idx="minor">
+            <a:schemeClr val="lt1"/>
+          </a:fontRef>
+        </p:style>
+        <p:txBody>
+          <a:bodyPr rtlCol="0" anchor="ctr"/>
+          <a:lstStyle/>
+          <a:p>
+            <a:pPr algn="ctr"/>
+            <a:r>
+              <a:rPr lang="en-US" smtClean="0"/>
+              <a:t>Home</a:t>
+            </a:r>
+            <a:endParaRPr lang="en-US"/>
+          </a:p>
+        </p:txBody>
+      </p:sp>
+      <p:sp>
+        <p:nvSpPr>
+          <p:cNvPr id="12" name="Rounded Rectangle 11"/>
+          <p:cNvSpPr/>
+          <p:nvPr/>
+        </p:nvSpPr>
+        <p:spPr>
+          <a:xfrm>
+            <a:off x="1064514" y="1287916"/>
+            <a:ext cx="1866900" cy="428625"/>
+          </a:xfrm>
+          <a:prstGeom prst="roundRect">
+            <a:avLst/>
+          </a:prstGeom>
+        </p:spPr>
+        <p:style>
+          <a:lnRef idx="3">
+            <a:schemeClr val="lt1"/>
+          </a:lnRef>
+          <a:fillRef idx="1">
+            <a:schemeClr val="accent3"/>
+          </a:fillRef>
+          <a:effectRef idx="1">
+            <a:schemeClr val="accent3"/>
+          </a:effectRef>
+          <a:fontRef idx="minor">
+            <a:schemeClr val="lt1"/>
+          </a:fontRef>
+        </p:style>
+        <p:txBody>
+          <a:bodyPr rtlCol="0" anchor="ctr"/>
+          <a:lstStyle/>
+          <a:p>
+            <a:pPr algn="ctr"/>
+            <a:r>
+              <a:rPr lang="en-US" smtClean="0"/>
+              <a:t>Login</a:t>
+            </a:r>
+            <a:endParaRPr lang="en-US"/>
+          </a:p>
+        </p:txBody>
+      </p:sp>
+      <p:sp>
+        <p:nvSpPr>
+          <p:cNvPr id="13" name="Rounded Rectangle 12"/>
+          <p:cNvSpPr/>
+          <p:nvPr/>
+        </p:nvSpPr>
+        <p:spPr>
+          <a:xfrm>
+            <a:off x="1540764" y="4298496"/>
+            <a:ext cx="1866900" cy="428625"/>
+          </a:xfrm>
+          <a:prstGeom prst="roundRect">
+            <a:avLst/>
+          </a:prstGeom>
+        </p:spPr>
+        <p:style>
+          <a:lnRef idx="3">
+            <a:schemeClr val="lt1"/>
+          </a:lnRef>
+          <a:fillRef idx="1">
+            <a:schemeClr val="accent3"/>
+          </a:fillRef>
+          <a:effectRef idx="1">
+            <a:schemeClr val="accent3"/>
+          </a:effectRef>
+          <a:fontRef idx="minor">
+            <a:schemeClr val="lt1"/>
+          </a:fontRef>
+        </p:style>
+        <p:txBody>
+          <a:bodyPr rtlCol="0" anchor="ctr"/>
+          <a:lstStyle/>
+          <a:p>
+            <a:pPr algn="ctr"/>
+            <a:r>
+              <a:rPr lang="en-US" smtClean="0"/>
+              <a:t>MyEvents</a:t>
+            </a:r>
+            <a:endParaRPr lang="en-US"/>
+          </a:p>
+        </p:txBody>
+      </p:sp>
+      <p:sp>
+        <p:nvSpPr>
+          <p:cNvPr id="22" name="TextBox 21"/>
+          <p:cNvSpPr txBox="1"/>
+          <p:nvPr/>
+        </p:nvSpPr>
+        <p:spPr>
+          <a:xfrm>
+            <a:off x="685800" y="200025"/>
+            <a:ext cx="553165" cy="369332"/>
+          </a:xfrm>
+          <a:prstGeom prst="rect">
+            <a:avLst/>
+          </a:prstGeom>
+          <a:noFill/>
+        </p:spPr>
+        <p:txBody>
+          <a:bodyPr wrap="none" rtlCol="0">
+            <a:spAutoFit/>
+          </a:bodyPr>
+          <a:lstStyle/>
+          <a:p>
+            <a:r>
+              <a:rPr lang="en-US" b="1" smtClean="0"/>
+              <a:t>Edit</a:t>
+            </a:r>
+            <a:endParaRPr lang="en-US" b="1"/>
+          </a:p>
+        </p:txBody>
+      </p:sp>
+      <p:sp>
+        <p:nvSpPr>
+          <p:cNvPr id="14" name="Rounded Rectangle 13"/>
+          <p:cNvSpPr/>
+          <p:nvPr/>
+        </p:nvSpPr>
+        <p:spPr>
+          <a:xfrm>
+            <a:off x="9619679" y="426482"/>
+            <a:ext cx="2296096" cy="428625"/>
+          </a:xfrm>
+          <a:prstGeom prst="roundRect">
+            <a:avLst/>
+          </a:prstGeom>
+        </p:spPr>
+        <p:style>
+          <a:lnRef idx="1">
+            <a:schemeClr val="accent6"/>
+          </a:lnRef>
+          <a:fillRef idx="3">
+            <a:schemeClr val="accent6"/>
+          </a:fillRef>
+          <a:effectRef idx="2">
+            <a:schemeClr val="accent6"/>
+          </a:effectRef>
+          <a:fontRef idx="minor">
+            <a:schemeClr val="lt1"/>
+          </a:fontRef>
+        </p:style>
+        <p:txBody>
+          <a:bodyPr rtlCol="0" anchor="ctr"/>
+          <a:lstStyle/>
+          <a:p>
+            <a:pPr algn="ctr"/>
+            <a:r>
+              <a:rPr lang="en-US" sz="1400" smtClean="0"/>
+              <a:t>Loaded by App</a:t>
+            </a:r>
+            <a:endParaRPr lang="en-US" sz="1400"/>
+          </a:p>
+        </p:txBody>
+      </p:sp>
+      <p:sp>
+        <p:nvSpPr>
+          <p:cNvPr id="15" name="Rounded Rectangle 14"/>
+          <p:cNvSpPr/>
+          <p:nvPr/>
+        </p:nvSpPr>
+        <p:spPr>
+          <a:xfrm>
+            <a:off x="9619679" y="1019074"/>
+            <a:ext cx="2296096" cy="428625"/>
+          </a:xfrm>
+          <a:prstGeom prst="roundRect">
+            <a:avLst/>
+          </a:prstGeom>
+        </p:spPr>
+        <p:style>
+          <a:lnRef idx="1">
+            <a:schemeClr val="accent2"/>
+          </a:lnRef>
+          <a:fillRef idx="3">
+            <a:schemeClr val="accent2"/>
+          </a:fillRef>
+          <a:effectRef idx="2">
+            <a:schemeClr val="accent2"/>
+          </a:effectRef>
+          <a:fontRef idx="minor">
+            <a:schemeClr val="lt1"/>
+          </a:fontRef>
+        </p:style>
+        <p:txBody>
+          <a:bodyPr rtlCol="0" anchor="ctr"/>
+          <a:lstStyle/>
+          <a:p>
+            <a:pPr algn="ctr"/>
+            <a:r>
+              <a:rPr lang="en-US" sz="1400" smtClean="0"/>
+              <a:t>Loaded by EventsController</a:t>
+            </a:r>
+            <a:endParaRPr lang="en-US" sz="1400"/>
+          </a:p>
+        </p:txBody>
+      </p:sp>
+      <p:sp>
+        <p:nvSpPr>
+          <p:cNvPr id="16" name="Rounded Rectangle 15"/>
+          <p:cNvSpPr/>
+          <p:nvPr/>
+        </p:nvSpPr>
+        <p:spPr>
+          <a:xfrm>
+            <a:off x="9619679" y="1671537"/>
+            <a:ext cx="2296096" cy="428625"/>
+          </a:xfrm>
+          <a:prstGeom prst="roundRect">
+            <a:avLst/>
+          </a:prstGeom>
+        </p:spPr>
+        <p:style>
+          <a:lnRef idx="1">
+            <a:schemeClr val="accent1"/>
+          </a:lnRef>
+          <a:fillRef idx="3">
+            <a:schemeClr val="accent1"/>
+          </a:fillRef>
+          <a:effectRef idx="2">
+            <a:schemeClr val="accent1"/>
+          </a:effectRef>
+          <a:fontRef idx="minor">
+            <a:schemeClr val="lt1"/>
+          </a:fontRef>
+        </p:style>
+        <p:txBody>
+          <a:bodyPr rtlCol="0" anchor="ctr"/>
+          <a:lstStyle/>
+          <a:p>
+            <a:pPr algn="ctr"/>
+            <a:r>
+              <a:rPr lang="en-US" sz="1400" smtClean="0"/>
+              <a:t>Loaded by Home</a:t>
+            </a:r>
+            <a:endParaRPr lang="en-US" sz="1400"/>
+          </a:p>
+        </p:txBody>
+      </p:sp>
+      <p:sp>
+        <p:nvSpPr>
+          <p:cNvPr id="17" name="Rounded Rectangle 16"/>
+          <p:cNvSpPr/>
+          <p:nvPr/>
+        </p:nvSpPr>
+        <p:spPr>
+          <a:xfrm>
+            <a:off x="9619679" y="2300187"/>
+            <a:ext cx="2296096" cy="428625"/>
+          </a:xfrm>
+          <a:prstGeom prst="roundRect">
+            <a:avLst/>
+          </a:prstGeom>
+        </p:spPr>
+        <p:style>
+          <a:lnRef idx="3">
+            <a:schemeClr val="lt1"/>
+          </a:lnRef>
+          <a:fillRef idx="1">
+            <a:schemeClr val="accent3"/>
+          </a:fillRef>
+          <a:effectRef idx="1">
+            <a:schemeClr val="accent3"/>
+          </a:effectRef>
+          <a:fontRef idx="minor">
+            <a:schemeClr val="lt1"/>
+          </a:fontRef>
+        </p:style>
+        <p:txBody>
+          <a:bodyPr rtlCol="0" anchor="ctr"/>
+          <a:lstStyle/>
+          <a:p>
+            <a:pPr algn="ctr"/>
+            <a:r>
+              <a:rPr lang="en-US" sz="1400" smtClean="0"/>
+              <a:t>Not loaded</a:t>
+            </a:r>
+            <a:endParaRPr lang="en-US" sz="1400"/>
+          </a:p>
+        </p:txBody>
+      </p:sp>
+    </p:spTree>
+    <p:extLst>
+      <p:ext uri="{BB962C8B-B14F-4D97-AF65-F5344CB8AC3E}">
+        <p14:creationId xmlns:p14="http://schemas.microsoft.com/office/powerpoint/2010/main" val="2637704970"/>
+      </p:ext>
+    </p:extLst>
+  </p:cSld>
+  <p:clrMapOvr>
+    <a:masterClrMapping/>
+  </p:clrMapOvr>
+  <p:timing>
+    <p:tnLst>
+      <p:par>
+        <p:cTn id="1" dur="indefinite" restart="never" nodeType="tmRoot"/>
+      </p:par>
+    </p:tnLst>
+  </p:timing>
+</p:sld>
+</file>
+
+<file path=ppt/slides/slide8.xml><?xml version="1.0" encoding="utf-8"?>
+<p:sld xmlns:a="http://schemas.openxmlformats.org/drawingml/2006/main" xmlns:r="http://schemas.openxmlformats.org/officeDocument/2006/relationships" xmlns:p="http://schemas.openxmlformats.org/presentationml/2006/main">
+  <p:cSld>
+    <p:spTree>
+      <p:nvGrpSpPr>
+        <p:cNvPr id="1" name=""/>
+        <p:cNvGrpSpPr/>
+        <p:nvPr/>
+      </p:nvGrpSpPr>
+      <p:grpSpPr>
+        <a:xfrm>
+          <a:off x="0" y="0"/>
+          <a:ext cx="0" cy="0"/>
+          <a:chOff x="0" y="0"/>
+          <a:chExt cx="0" cy="0"/>
+        </a:xfrm>
+      </p:grpSpPr>
+      <p:sp>
+        <p:nvSpPr>
+          <p:cNvPr id="6" name="Rounded Rectangle 5"/>
+          <p:cNvSpPr/>
+          <p:nvPr/>
+        </p:nvSpPr>
+        <p:spPr>
+          <a:xfrm>
+            <a:off x="581025" y="685800"/>
+            <a:ext cx="1865376" cy="428625"/>
+          </a:xfrm>
+          <a:prstGeom prst="roundRect">
+            <a:avLst/>
+          </a:prstGeom>
+        </p:spPr>
+        <p:style>
+          <a:lnRef idx="1">
+            <a:schemeClr val="accent5"/>
+          </a:lnRef>
+          <a:fillRef idx="3">
+            <a:schemeClr val="accent5"/>
+          </a:fillRef>
+          <a:effectRef idx="2">
+            <a:schemeClr val="accent5"/>
+          </a:effectRef>
+          <a:fontRef idx="minor">
+            <a:schemeClr val="lt1"/>
+          </a:fontRef>
+        </p:style>
+        <p:txBody>
+          <a:bodyPr rtlCol="0" anchor="ctr"/>
+          <a:lstStyle/>
+          <a:p>
+            <a:pPr algn="ctr"/>
+            <a:r>
+              <a:rPr lang="en-US" smtClean="0"/>
+              <a:t>App</a:t>
+            </a:r>
+            <a:endParaRPr lang="en-US"/>
+          </a:p>
+        </p:txBody>
+      </p:sp>
+      <p:sp>
+        <p:nvSpPr>
+          <p:cNvPr id="7" name="Rounded Rectangle 6"/>
+          <p:cNvSpPr/>
+          <p:nvPr/>
+        </p:nvSpPr>
+        <p:spPr>
+          <a:xfrm>
+            <a:off x="1542288" y="3686855"/>
+            <a:ext cx="1865376" cy="428625"/>
+          </a:xfrm>
+          <a:prstGeom prst="roundRect">
+            <a:avLst/>
+          </a:prstGeom>
+        </p:spPr>
+        <p:style>
+          <a:lnRef idx="3">
+            <a:schemeClr val="lt1"/>
+          </a:lnRef>
+          <a:fillRef idx="1">
+            <a:schemeClr val="accent3"/>
+          </a:fillRef>
+          <a:effectRef idx="1">
+            <a:schemeClr val="accent3"/>
+          </a:effectRef>
+          <a:fontRef idx="minor">
+            <a:schemeClr val="lt1"/>
+          </a:fontRef>
+        </p:style>
+        <p:txBody>
+          <a:bodyPr rtlCol="0" anchor="ctr"/>
+          <a:lstStyle/>
+          <a:p>
+            <a:pPr algn="ctr"/>
+            <a:r>
+              <a:rPr lang="en-US" smtClean="0"/>
+              <a:t>CreateEvent</a:t>
+            </a:r>
+            <a:endParaRPr lang="en-US"/>
+          </a:p>
+        </p:txBody>
+      </p:sp>
+      <p:sp>
+        <p:nvSpPr>
+          <p:cNvPr id="8" name="Rounded Rectangle 7"/>
+          <p:cNvSpPr/>
+          <p:nvPr/>
+        </p:nvSpPr>
+        <p:spPr>
+          <a:xfrm>
+            <a:off x="1064514" y="1890032"/>
+            <a:ext cx="1866900" cy="428625"/>
+          </a:xfrm>
+          <a:prstGeom prst="roundRect">
+            <a:avLst/>
+          </a:prstGeom>
+        </p:spPr>
+        <p:style>
+          <a:lnRef idx="1">
+            <a:schemeClr val="accent6"/>
+          </a:lnRef>
+          <a:fillRef idx="3">
+            <a:schemeClr val="accent6"/>
+          </a:fillRef>
+          <a:effectRef idx="2">
+            <a:schemeClr val="accent6"/>
+          </a:effectRef>
+          <a:fontRef idx="minor">
+            <a:schemeClr val="lt1"/>
+          </a:fontRef>
+        </p:style>
+        <p:txBody>
+          <a:bodyPr rtlCol="0" anchor="ctr"/>
+          <a:lstStyle/>
+          <a:p>
+            <a:pPr algn="ctr"/>
+            <a:r>
+              <a:rPr lang="en-US" smtClean="0"/>
+              <a:t>EventsController</a:t>
+            </a:r>
+            <a:endParaRPr lang="en-US"/>
+          </a:p>
+        </p:txBody>
+      </p:sp>
+      <p:sp>
+        <p:nvSpPr>
+          <p:cNvPr id="9" name="Rounded Rectangle 8"/>
+          <p:cNvSpPr/>
+          <p:nvPr/>
+        </p:nvSpPr>
+        <p:spPr>
+          <a:xfrm>
+            <a:off x="1893951" y="3094264"/>
+            <a:ext cx="1866900" cy="428625"/>
+          </a:xfrm>
+          <a:prstGeom prst="roundRect">
+            <a:avLst/>
+          </a:prstGeom>
+        </p:spPr>
+        <p:style>
+          <a:lnRef idx="3">
+            <a:schemeClr val="lt1"/>
+          </a:lnRef>
+          <a:fillRef idx="1">
+            <a:schemeClr val="accent3"/>
+          </a:fillRef>
+          <a:effectRef idx="1">
+            <a:schemeClr val="accent3"/>
+          </a:effectRef>
+          <a:fontRef idx="minor">
+            <a:schemeClr val="lt1"/>
+          </a:fontRef>
+        </p:style>
+        <p:txBody>
+          <a:bodyPr rtlCol="0" anchor="ctr"/>
+          <a:lstStyle/>
+          <a:p>
+            <a:pPr algn="ctr"/>
+            <a:r>
+              <a:rPr lang="en-US" smtClean="0"/>
+              <a:t>EventCards</a:t>
+            </a:r>
+            <a:endParaRPr lang="en-US"/>
+          </a:p>
+        </p:txBody>
+      </p:sp>
+      <p:sp>
+        <p:nvSpPr>
+          <p:cNvPr id="10" name="Rounded Rectangle 9"/>
+          <p:cNvSpPr/>
+          <p:nvPr/>
+        </p:nvSpPr>
+        <p:spPr>
+          <a:xfrm>
+            <a:off x="1540764" y="4900613"/>
+            <a:ext cx="1866900" cy="428625"/>
+          </a:xfrm>
+          <a:prstGeom prst="roundRect">
+            <a:avLst/>
+          </a:prstGeom>
+        </p:spPr>
+        <p:style>
+          <a:lnRef idx="3">
+            <a:schemeClr val="lt1"/>
+          </a:lnRef>
+          <a:fillRef idx="1">
+            <a:schemeClr val="accent3"/>
+          </a:fillRef>
+          <a:effectRef idx="1">
+            <a:schemeClr val="accent3"/>
+          </a:effectRef>
+          <a:fontRef idx="minor">
+            <a:schemeClr val="lt1"/>
+          </a:fontRef>
+        </p:style>
+        <p:txBody>
+          <a:bodyPr rtlCol="0" anchor="ctr"/>
+          <a:lstStyle/>
+          <a:p>
+            <a:pPr algn="ctr"/>
+            <a:r>
+              <a:rPr lang="en-US" smtClean="0"/>
+              <a:t>EventDetails</a:t>
+            </a:r>
+            <a:endParaRPr lang="en-US"/>
+          </a:p>
+        </p:txBody>
+      </p:sp>
+      <p:sp>
+        <p:nvSpPr>
+          <p:cNvPr id="11" name="Rounded Rectangle 10"/>
+          <p:cNvSpPr/>
+          <p:nvPr/>
+        </p:nvSpPr>
+        <p:spPr>
+          <a:xfrm>
+            <a:off x="1512951" y="2492148"/>
+            <a:ext cx="1866900" cy="428625"/>
+          </a:xfrm>
+          <a:prstGeom prst="roundRect">
+            <a:avLst/>
+          </a:prstGeom>
+        </p:spPr>
+        <p:style>
+          <a:lnRef idx="3">
+            <a:schemeClr val="lt1"/>
+          </a:lnRef>
+          <a:fillRef idx="1">
+            <a:schemeClr val="accent3"/>
+          </a:fillRef>
+          <a:effectRef idx="1">
+            <a:schemeClr val="accent3"/>
+          </a:effectRef>
+          <a:fontRef idx="minor">
+            <a:schemeClr val="lt1"/>
+          </a:fontRef>
+        </p:style>
+        <p:txBody>
+          <a:bodyPr rtlCol="0" anchor="ctr"/>
+          <a:lstStyle/>
+          <a:p>
+            <a:pPr algn="ctr"/>
+            <a:r>
+              <a:rPr lang="en-US" smtClean="0"/>
+              <a:t>Home</a:t>
+            </a:r>
+            <a:endParaRPr lang="en-US"/>
+          </a:p>
+        </p:txBody>
+      </p:sp>
+      <p:sp>
+        <p:nvSpPr>
+          <p:cNvPr id="12" name="Rounded Rectangle 11"/>
+          <p:cNvSpPr/>
+          <p:nvPr/>
+        </p:nvSpPr>
+        <p:spPr>
+          <a:xfrm>
+            <a:off x="1064514" y="1287916"/>
+            <a:ext cx="1866900" cy="428625"/>
+          </a:xfrm>
+          <a:prstGeom prst="roundRect">
+            <a:avLst/>
+          </a:prstGeom>
+        </p:spPr>
+        <p:style>
+          <a:lnRef idx="1">
+            <a:schemeClr val="accent6"/>
+          </a:lnRef>
+          <a:fillRef idx="3">
+            <a:schemeClr val="accent6"/>
+          </a:fillRef>
+          <a:effectRef idx="2">
+            <a:schemeClr val="accent6"/>
+          </a:effectRef>
+          <a:fontRef idx="minor">
+            <a:schemeClr val="lt1"/>
+          </a:fontRef>
+        </p:style>
+        <p:txBody>
+          <a:bodyPr rtlCol="0" anchor="ctr"/>
+          <a:lstStyle/>
+          <a:p>
+            <a:pPr algn="ctr"/>
+            <a:r>
+              <a:rPr lang="en-US" smtClean="0"/>
+              <a:t>Login</a:t>
+            </a:r>
+            <a:endParaRPr lang="en-US"/>
+          </a:p>
+        </p:txBody>
+      </p:sp>
+      <p:sp>
+        <p:nvSpPr>
+          <p:cNvPr id="13" name="Rounded Rectangle 12"/>
+          <p:cNvSpPr/>
+          <p:nvPr/>
+        </p:nvSpPr>
+        <p:spPr>
+          <a:xfrm>
+            <a:off x="1540764" y="4298496"/>
+            <a:ext cx="1866900" cy="428625"/>
+          </a:xfrm>
+          <a:prstGeom prst="roundRect">
+            <a:avLst/>
+          </a:prstGeom>
+        </p:spPr>
+        <p:style>
+          <a:lnRef idx="3">
+            <a:schemeClr val="lt1"/>
+          </a:lnRef>
+          <a:fillRef idx="1">
+            <a:schemeClr val="accent3"/>
+          </a:fillRef>
+          <a:effectRef idx="1">
+            <a:schemeClr val="accent3"/>
+          </a:effectRef>
+          <a:fontRef idx="minor">
+            <a:schemeClr val="lt1"/>
+          </a:fontRef>
+        </p:style>
+        <p:txBody>
+          <a:bodyPr rtlCol="0" anchor="ctr"/>
+          <a:lstStyle/>
+          <a:p>
+            <a:pPr algn="ctr"/>
+            <a:r>
+              <a:rPr lang="en-US" smtClean="0"/>
+              <a:t>MyEvents</a:t>
+            </a:r>
+            <a:endParaRPr lang="en-US"/>
+          </a:p>
+        </p:txBody>
+      </p:sp>
+      <p:sp>
+        <p:nvSpPr>
+          <p:cNvPr id="22" name="TextBox 21"/>
+          <p:cNvSpPr txBox="1"/>
+          <p:nvPr/>
+        </p:nvSpPr>
+        <p:spPr>
+          <a:xfrm>
+            <a:off x="685800" y="200025"/>
+            <a:ext cx="694421" cy="369332"/>
+          </a:xfrm>
+          <a:prstGeom prst="rect">
+            <a:avLst/>
+          </a:prstGeom>
+          <a:noFill/>
+        </p:spPr>
+        <p:txBody>
+          <a:bodyPr wrap="none" rtlCol="0">
+            <a:spAutoFit/>
+          </a:bodyPr>
+          <a:lstStyle/>
+          <a:p>
+            <a:r>
+              <a:rPr lang="en-US" b="1" smtClean="0"/>
+              <a:t>Login</a:t>
+            </a:r>
+            <a:endParaRPr lang="en-US" b="1"/>
+          </a:p>
+        </p:txBody>
+      </p:sp>
+      <p:sp>
+        <p:nvSpPr>
+          <p:cNvPr id="14" name="Rounded Rectangle 13"/>
+          <p:cNvSpPr/>
+          <p:nvPr/>
+        </p:nvSpPr>
+        <p:spPr>
+          <a:xfrm>
+            <a:off x="9619679" y="426482"/>
+            <a:ext cx="2296096" cy="428625"/>
+          </a:xfrm>
+          <a:prstGeom prst="roundRect">
+            <a:avLst/>
+          </a:prstGeom>
+        </p:spPr>
+        <p:style>
+          <a:lnRef idx="1">
+            <a:schemeClr val="accent6"/>
+          </a:lnRef>
+          <a:fillRef idx="3">
+            <a:schemeClr val="accent6"/>
+          </a:fillRef>
+          <a:effectRef idx="2">
+            <a:schemeClr val="accent6"/>
+          </a:effectRef>
+          <a:fontRef idx="minor">
+            <a:schemeClr val="lt1"/>
+          </a:fontRef>
+        </p:style>
+        <p:txBody>
+          <a:bodyPr rtlCol="0" anchor="ctr"/>
+          <a:lstStyle/>
+          <a:p>
+            <a:pPr algn="ctr"/>
+            <a:r>
+              <a:rPr lang="en-US" sz="1400" smtClean="0"/>
+              <a:t>Loaded by App</a:t>
+            </a:r>
+            <a:endParaRPr lang="en-US" sz="1400"/>
+          </a:p>
+        </p:txBody>
+      </p:sp>
+      <p:sp>
+        <p:nvSpPr>
+          <p:cNvPr id="15" name="Rounded Rectangle 14"/>
+          <p:cNvSpPr/>
+          <p:nvPr/>
+        </p:nvSpPr>
+        <p:spPr>
+          <a:xfrm>
+            <a:off x="9619679" y="1019074"/>
+            <a:ext cx="2296096" cy="428625"/>
+          </a:xfrm>
+          <a:prstGeom prst="roundRect">
+            <a:avLst/>
+          </a:prstGeom>
+        </p:spPr>
+        <p:style>
+          <a:lnRef idx="1">
+            <a:schemeClr val="accent2"/>
+          </a:lnRef>
+          <a:fillRef idx="3">
+            <a:schemeClr val="accent2"/>
+          </a:fillRef>
+          <a:effectRef idx="2">
+            <a:schemeClr val="accent2"/>
+          </a:effectRef>
+          <a:fontRef idx="minor">
+            <a:schemeClr val="lt1"/>
+          </a:fontRef>
+        </p:style>
+        <p:txBody>
+          <a:bodyPr rtlCol="0" anchor="ctr"/>
+          <a:lstStyle/>
+          <a:p>
+            <a:pPr algn="ctr"/>
+            <a:r>
+              <a:rPr lang="en-US" sz="1400" smtClean="0"/>
+              <a:t>Loaded by EventsController</a:t>
+            </a:r>
+            <a:endParaRPr lang="en-US" sz="1400"/>
+          </a:p>
+        </p:txBody>
+      </p:sp>
+      <p:sp>
+        <p:nvSpPr>
+          <p:cNvPr id="16" name="Rounded Rectangle 15"/>
+          <p:cNvSpPr/>
+          <p:nvPr/>
+        </p:nvSpPr>
+        <p:spPr>
+          <a:xfrm>
+            <a:off x="9619679" y="1671537"/>
+            <a:ext cx="2296096" cy="428625"/>
+          </a:xfrm>
+          <a:prstGeom prst="roundRect">
+            <a:avLst/>
+          </a:prstGeom>
+        </p:spPr>
+        <p:style>
+          <a:lnRef idx="1">
+            <a:schemeClr val="accent1"/>
+          </a:lnRef>
+          <a:fillRef idx="3">
+            <a:schemeClr val="accent1"/>
+          </a:fillRef>
+          <a:effectRef idx="2">
+            <a:schemeClr val="accent1"/>
+          </a:effectRef>
+          <a:fontRef idx="minor">
+            <a:schemeClr val="lt1"/>
+          </a:fontRef>
+        </p:style>
+        <p:txBody>
+          <a:bodyPr rtlCol="0" anchor="ctr"/>
+          <a:lstStyle/>
+          <a:p>
+            <a:pPr algn="ctr"/>
+            <a:r>
+              <a:rPr lang="en-US" sz="1400" smtClean="0"/>
+              <a:t>Loaded by Home</a:t>
+            </a:r>
+            <a:endParaRPr lang="en-US" sz="1400"/>
+          </a:p>
+        </p:txBody>
+      </p:sp>
+      <p:sp>
+        <p:nvSpPr>
+          <p:cNvPr id="17" name="Rounded Rectangle 16"/>
+          <p:cNvSpPr/>
+          <p:nvPr/>
+        </p:nvSpPr>
+        <p:spPr>
+          <a:xfrm>
+            <a:off x="9619679" y="2300187"/>
+            <a:ext cx="2296096" cy="428625"/>
+          </a:xfrm>
+          <a:prstGeom prst="roundRect">
+            <a:avLst/>
+          </a:prstGeom>
+        </p:spPr>
+        <p:style>
+          <a:lnRef idx="3">
+            <a:schemeClr val="lt1"/>
+          </a:lnRef>
+          <a:fillRef idx="1">
+            <a:schemeClr val="accent3"/>
+          </a:fillRef>
+          <a:effectRef idx="1">
+            <a:schemeClr val="accent3"/>
+          </a:effectRef>
+          <a:fontRef idx="minor">
+            <a:schemeClr val="lt1"/>
+          </a:fontRef>
+        </p:style>
+        <p:txBody>
+          <a:bodyPr rtlCol="0" anchor="ctr"/>
+          <a:lstStyle/>
+          <a:p>
+            <a:pPr algn="ctr"/>
+            <a:r>
+              <a:rPr lang="en-US" sz="1400" smtClean="0"/>
+              <a:t>Not loaded</a:t>
+            </a:r>
+            <a:endParaRPr lang="en-US" sz="1400"/>
+          </a:p>
+        </p:txBody>
+      </p:sp>
+    </p:spTree>
+    <p:extLst>
+      <p:ext uri="{BB962C8B-B14F-4D97-AF65-F5344CB8AC3E}">
+        <p14:creationId xmlns:p14="http://schemas.microsoft.com/office/powerpoint/2010/main" val="2449559387"/>
       </p:ext>
     </p:extLst>
   </p:cSld>
